--- a/Prasanth M_Netflix Data Analysis Project PPT.pptx
+++ b/Prasanth M_Netflix Data Analysis Project PPT.pptx
@@ -5,10 +5,10 @@
     <p:sldMasterId id="2147483747" r:id="rId4"/>
   </p:sldMasterIdLst>
   <p:notesMasterIdLst>
-    <p:notesMasterId r:id="rId17"/>
+    <p:notesMasterId r:id="rId18"/>
   </p:notesMasterIdLst>
   <p:handoutMasterIdLst>
-    <p:handoutMasterId r:id="rId18"/>
+    <p:handoutMasterId r:id="rId19"/>
   </p:handoutMasterIdLst>
   <p:sldIdLst>
     <p:sldId id="338" r:id="rId5"/>
@@ -17,12 +17,13 @@
     <p:sldId id="329" r:id="rId8"/>
     <p:sldId id="302" r:id="rId9"/>
     <p:sldId id="339" r:id="rId10"/>
-    <p:sldId id="340" r:id="rId11"/>
-    <p:sldId id="341" r:id="rId12"/>
-    <p:sldId id="344" r:id="rId13"/>
-    <p:sldId id="342" r:id="rId14"/>
-    <p:sldId id="343" r:id="rId15"/>
-    <p:sldId id="304" r:id="rId16"/>
+    <p:sldId id="345" r:id="rId11"/>
+    <p:sldId id="340" r:id="rId12"/>
+    <p:sldId id="341" r:id="rId13"/>
+    <p:sldId id="344" r:id="rId14"/>
+    <p:sldId id="342" r:id="rId15"/>
+    <p:sldId id="343" r:id="rId16"/>
+    <p:sldId id="304" r:id="rId17"/>
   </p:sldIdLst>
   <p:sldSz cx="12192000" cy="6858000"/>
   <p:notesSz cx="6858000" cy="9144000"/>
@@ -156,14 +157,6 @@
     </p:ext>
   </p:extLst>
 </p:presentation>
-</file>
-
-<file path=ppt/revisionInfo.xml><?xml version="1.0" encoding="utf-8"?>
-<p1510:revInfo xmlns:a="http://schemas.openxmlformats.org/drawingml/2006/main" xmlns:r="http://schemas.openxmlformats.org/officeDocument/2006/relationships" xmlns:p1510="http://schemas.microsoft.com/office/powerpoint/2015/10/main">
-  <p1510:revLst>
-    <p1510:client id="{01109B11-726B-622E-F1D0-53498C852A02}" v="122" dt="2025-09-25T09:02:38.153"/>
-  </p1510:revLst>
-</p1510:revInfo>
 </file>
 
 <file path=ppt/handoutMasters/handoutMaster1.xml><?xml version="1.0" encoding="utf-8"?>
@@ -11036,6 +11029,772 @@
         <p:cNvPr id="1" name="">
           <a:extLst>
             <a:ext uri="{FF2B5EF4-FFF2-40B4-BE49-F238E27FC236}">
+              <a16:creationId xmlns:a16="http://schemas.microsoft.com/office/drawing/2014/main" id="{71D302F3-5B15-F4B3-4FC0-05D49317B44C}"/>
+            </a:ext>
+          </a:extLst>
+        </p:cNvPr>
+        <p:cNvGrpSpPr/>
+        <p:nvPr/>
+      </p:nvGrpSpPr>
+      <p:grpSpPr>
+        <a:xfrm>
+          <a:off x="0" y="0"/>
+          <a:ext cx="0" cy="0"/>
+          <a:chOff x="0" y="0"/>
+          <a:chExt cx="0" cy="0"/>
+        </a:xfrm>
+      </p:grpSpPr>
+      <p:pic>
+        <p:nvPicPr>
+          <p:cNvPr id="5" name="Picture 4">
+            <a:extLst>
+              <a:ext uri="{FF2B5EF4-FFF2-40B4-BE49-F238E27FC236}">
+                <a16:creationId xmlns:a16="http://schemas.microsoft.com/office/drawing/2014/main" id="{95314807-9A27-116F-CC98-E5EEF28F0800}"/>
+              </a:ext>
+            </a:extLst>
+          </p:cNvPr>
+          <p:cNvPicPr>
+            <a:picLocks noChangeAspect="1"/>
+          </p:cNvPicPr>
+          <p:nvPr/>
+        </p:nvPicPr>
+        <p:blipFill rotWithShape="1">
+          <a:blip r:embed="rId2"/>
+          <a:srcRect t="96181"/>
+          <a:stretch/>
+        </p:blipFill>
+        <p:spPr>
+          <a:xfrm>
+            <a:off x="675957" y="6471920"/>
+            <a:ext cx="2143125" cy="193040"/>
+          </a:xfrm>
+          <a:prstGeom prst="rect">
+            <a:avLst/>
+          </a:prstGeom>
+        </p:spPr>
+      </p:pic>
+      <p:sp>
+        <p:nvSpPr>
+          <p:cNvPr id="4" name="Title 3">
+            <a:extLst>
+              <a:ext uri="{FF2B5EF4-FFF2-40B4-BE49-F238E27FC236}">
+                <a16:creationId xmlns:a16="http://schemas.microsoft.com/office/drawing/2014/main" id="{BA0845DA-C188-DB03-7162-C74DB64A3678}"/>
+              </a:ext>
+            </a:extLst>
+          </p:cNvPr>
+          <p:cNvSpPr>
+            <a:spLocks noGrp="1"/>
+          </p:cNvSpPr>
+          <p:nvPr>
+            <p:ph type="title"/>
+          </p:nvPr>
+        </p:nvSpPr>
+        <p:spPr>
+          <a:xfrm>
+            <a:off x="675957" y="370589"/>
+            <a:ext cx="6115368" cy="878622"/>
+          </a:xfrm>
+        </p:spPr>
+        <p:txBody>
+          <a:bodyPr>
+            <a:normAutofit/>
+          </a:bodyPr>
+          <a:lstStyle/>
+          <a:p>
+            <a:r>
+              <a:rPr lang="en-GB" dirty="0"/>
+              <a:t>GitHub repository </a:t>
+            </a:r>
+          </a:p>
+        </p:txBody>
+      </p:sp>
+      <p:sp>
+        <p:nvSpPr>
+          <p:cNvPr id="7" name="Text Placeholder 30">
+            <a:extLst>
+              <a:ext uri="{FF2B5EF4-FFF2-40B4-BE49-F238E27FC236}">
+                <a16:creationId xmlns:a16="http://schemas.microsoft.com/office/drawing/2014/main" id="{9B11EDF8-3FD7-C9FE-2AA8-09208B3BEFC2}"/>
+              </a:ext>
+            </a:extLst>
+          </p:cNvPr>
+          <p:cNvSpPr txBox="1">
+            <a:spLocks/>
+          </p:cNvSpPr>
+          <p:nvPr/>
+        </p:nvSpPr>
+        <p:spPr>
+          <a:xfrm>
+            <a:off x="320982" y="1275371"/>
+            <a:ext cx="3343561" cy="666078"/>
+          </a:xfrm>
+          <a:prstGeom prst="rect">
+            <a:avLst/>
+          </a:prstGeom>
+        </p:spPr>
+        <p:txBody>
+          <a:bodyPr vert="horz" lIns="91440" tIns="45720" rIns="91440" bIns="45720" rtlCol="0">
+            <a:normAutofit/>
+          </a:bodyPr>
+          <a:lstStyle>
+            <a:lvl1pPr marL="0" indent="0" algn="ctr" defTabSz="457200" rtl="0" eaLnBrk="1" latinLnBrk="0" hangingPunct="1">
+              <a:spcBef>
+                <a:spcPts val="1000"/>
+              </a:spcBef>
+              <a:spcAft>
+                <a:spcPts val="0"/>
+              </a:spcAft>
+              <a:buClr>
+                <a:schemeClr val="accent1"/>
+              </a:buClr>
+              <a:buSzPct val="80000"/>
+              <a:buFont typeface="Wingdings 3" charset="2"/>
+              <a:buNone/>
+              <a:defRPr lang="en-US" sz="1600" kern="1200" dirty="0" smtClean="0">
+                <a:solidFill>
+                  <a:schemeClr val="tx1"/>
+                </a:solidFill>
+                <a:latin typeface="+mn-lt"/>
+                <a:ea typeface="+mn-ea"/>
+                <a:cs typeface="+mn-cs"/>
+              </a:defRPr>
+            </a:lvl1pPr>
+            <a:lvl2pPr marL="742950" indent="-285750" algn="l" defTabSz="457200" rtl="0" eaLnBrk="1" latinLnBrk="0" hangingPunct="1">
+              <a:spcBef>
+                <a:spcPts val="1000"/>
+              </a:spcBef>
+              <a:spcAft>
+                <a:spcPts val="0"/>
+              </a:spcAft>
+              <a:buClr>
+                <a:schemeClr val="accent1"/>
+              </a:buClr>
+              <a:buSzPct val="80000"/>
+              <a:buFont typeface="Wingdings 3" charset="2"/>
+              <a:buChar char=""/>
+              <a:defRPr sz="1600" kern="1200">
+                <a:solidFill>
+                  <a:schemeClr val="tx1">
+                    <a:lumMod val="75000"/>
+                    <a:lumOff val="25000"/>
+                  </a:schemeClr>
+                </a:solidFill>
+                <a:latin typeface="+mn-lt"/>
+                <a:ea typeface="+mn-ea"/>
+                <a:cs typeface="+mn-cs"/>
+              </a:defRPr>
+            </a:lvl2pPr>
+            <a:lvl3pPr marL="1143000" indent="-228600" algn="l" defTabSz="457200" rtl="0" eaLnBrk="1" latinLnBrk="0" hangingPunct="1">
+              <a:spcBef>
+                <a:spcPts val="1000"/>
+              </a:spcBef>
+              <a:spcAft>
+                <a:spcPts val="0"/>
+              </a:spcAft>
+              <a:buClr>
+                <a:schemeClr val="accent1"/>
+              </a:buClr>
+              <a:buSzPct val="80000"/>
+              <a:buFont typeface="Wingdings 3" charset="2"/>
+              <a:buChar char=""/>
+              <a:defRPr sz="1400" kern="1200">
+                <a:solidFill>
+                  <a:schemeClr val="tx1">
+                    <a:lumMod val="75000"/>
+                    <a:lumOff val="25000"/>
+                  </a:schemeClr>
+                </a:solidFill>
+                <a:latin typeface="+mn-lt"/>
+                <a:ea typeface="+mn-ea"/>
+                <a:cs typeface="+mn-cs"/>
+              </a:defRPr>
+            </a:lvl3pPr>
+            <a:lvl4pPr marL="1600200" indent="-228600" algn="l" defTabSz="457200" rtl="0" eaLnBrk="1" latinLnBrk="0" hangingPunct="1">
+              <a:spcBef>
+                <a:spcPts val="1000"/>
+              </a:spcBef>
+              <a:spcAft>
+                <a:spcPts val="0"/>
+              </a:spcAft>
+              <a:buClr>
+                <a:schemeClr val="accent1"/>
+              </a:buClr>
+              <a:buSzPct val="80000"/>
+              <a:buFont typeface="Wingdings 3" charset="2"/>
+              <a:buChar char=""/>
+              <a:defRPr sz="1200" kern="1200">
+                <a:solidFill>
+                  <a:schemeClr val="tx1">
+                    <a:lumMod val="75000"/>
+                    <a:lumOff val="25000"/>
+                  </a:schemeClr>
+                </a:solidFill>
+                <a:latin typeface="+mn-lt"/>
+                <a:ea typeface="+mn-ea"/>
+                <a:cs typeface="+mn-cs"/>
+              </a:defRPr>
+            </a:lvl4pPr>
+            <a:lvl5pPr marL="2057400" indent="-228600" algn="l" defTabSz="457200" rtl="0" eaLnBrk="1" latinLnBrk="0" hangingPunct="1">
+              <a:spcBef>
+                <a:spcPts val="1000"/>
+              </a:spcBef>
+              <a:spcAft>
+                <a:spcPts val="0"/>
+              </a:spcAft>
+              <a:buClr>
+                <a:schemeClr val="accent1"/>
+              </a:buClr>
+              <a:buSzPct val="80000"/>
+              <a:buFont typeface="Wingdings 3" charset="2"/>
+              <a:buChar char=""/>
+              <a:defRPr sz="1200" kern="1200">
+                <a:solidFill>
+                  <a:schemeClr val="tx1">
+                    <a:lumMod val="75000"/>
+                    <a:lumOff val="25000"/>
+                  </a:schemeClr>
+                </a:solidFill>
+                <a:latin typeface="+mn-lt"/>
+                <a:ea typeface="+mn-ea"/>
+                <a:cs typeface="+mn-cs"/>
+              </a:defRPr>
+            </a:lvl5pPr>
+            <a:lvl6pPr marL="2514600" indent="-228600" algn="l" defTabSz="457200" rtl="0" eaLnBrk="1" latinLnBrk="0" hangingPunct="1">
+              <a:spcBef>
+                <a:spcPts val="1000"/>
+              </a:spcBef>
+              <a:spcAft>
+                <a:spcPts val="0"/>
+              </a:spcAft>
+              <a:buClr>
+                <a:schemeClr val="accent1"/>
+              </a:buClr>
+              <a:buSzPct val="80000"/>
+              <a:buFont typeface="Wingdings 3" charset="2"/>
+              <a:buChar char=""/>
+              <a:defRPr sz="1200" kern="1200">
+                <a:solidFill>
+                  <a:schemeClr val="tx1">
+                    <a:lumMod val="75000"/>
+                    <a:lumOff val="25000"/>
+                  </a:schemeClr>
+                </a:solidFill>
+                <a:latin typeface="+mn-lt"/>
+                <a:ea typeface="+mn-ea"/>
+                <a:cs typeface="+mn-cs"/>
+              </a:defRPr>
+            </a:lvl6pPr>
+            <a:lvl7pPr marL="2971800" indent="-228600" algn="l" defTabSz="457200" rtl="0" eaLnBrk="1" latinLnBrk="0" hangingPunct="1">
+              <a:spcBef>
+                <a:spcPts val="1000"/>
+              </a:spcBef>
+              <a:spcAft>
+                <a:spcPts val="0"/>
+              </a:spcAft>
+              <a:buClr>
+                <a:schemeClr val="accent1"/>
+              </a:buClr>
+              <a:buSzPct val="80000"/>
+              <a:buFont typeface="Wingdings 3" charset="2"/>
+              <a:buChar char=""/>
+              <a:defRPr sz="1200" kern="1200">
+                <a:solidFill>
+                  <a:schemeClr val="tx1">
+                    <a:lumMod val="75000"/>
+                    <a:lumOff val="25000"/>
+                  </a:schemeClr>
+                </a:solidFill>
+                <a:latin typeface="+mn-lt"/>
+                <a:ea typeface="+mn-ea"/>
+                <a:cs typeface="+mn-cs"/>
+              </a:defRPr>
+            </a:lvl7pPr>
+            <a:lvl8pPr marL="3429000" indent="-228600" algn="l" defTabSz="457200" rtl="0" eaLnBrk="1" latinLnBrk="0" hangingPunct="1">
+              <a:spcBef>
+                <a:spcPts val="1000"/>
+              </a:spcBef>
+              <a:spcAft>
+                <a:spcPts val="0"/>
+              </a:spcAft>
+              <a:buClr>
+                <a:schemeClr val="accent1"/>
+              </a:buClr>
+              <a:buSzPct val="80000"/>
+              <a:buFont typeface="Wingdings 3" charset="2"/>
+              <a:buChar char=""/>
+              <a:defRPr sz="1200" kern="1200">
+                <a:solidFill>
+                  <a:schemeClr val="tx1">
+                    <a:lumMod val="75000"/>
+                    <a:lumOff val="25000"/>
+                  </a:schemeClr>
+                </a:solidFill>
+                <a:latin typeface="+mn-lt"/>
+                <a:ea typeface="+mn-ea"/>
+                <a:cs typeface="+mn-cs"/>
+              </a:defRPr>
+            </a:lvl8pPr>
+            <a:lvl9pPr marL="3886200" indent="-228600" algn="l" defTabSz="457200" rtl="0" eaLnBrk="1" latinLnBrk="0" hangingPunct="1">
+              <a:spcBef>
+                <a:spcPts val="1000"/>
+              </a:spcBef>
+              <a:spcAft>
+                <a:spcPts val="0"/>
+              </a:spcAft>
+              <a:buClr>
+                <a:schemeClr val="accent1"/>
+              </a:buClr>
+              <a:buSzPct val="80000"/>
+              <a:buFont typeface="Wingdings 3" charset="2"/>
+              <a:buChar char=""/>
+              <a:defRPr sz="1200" kern="1200">
+                <a:solidFill>
+                  <a:schemeClr val="tx1">
+                    <a:lumMod val="75000"/>
+                    <a:lumOff val="25000"/>
+                  </a:schemeClr>
+                </a:solidFill>
+                <a:latin typeface="+mn-lt"/>
+                <a:ea typeface="+mn-ea"/>
+                <a:cs typeface="+mn-cs"/>
+              </a:defRPr>
+            </a:lvl9pPr>
+          </a:lstStyle>
+          <a:p>
+            <a:endParaRPr lang="en-GB" sz="2000" dirty="0"/>
+          </a:p>
+        </p:txBody>
+      </p:sp>
+      <p:sp>
+        <p:nvSpPr>
+          <p:cNvPr id="10" name="Text Placeholder 1">
+            <a:extLst>
+              <a:ext uri="{FF2B5EF4-FFF2-40B4-BE49-F238E27FC236}">
+                <a16:creationId xmlns:a16="http://schemas.microsoft.com/office/drawing/2014/main" id="{8935B953-0B74-DF35-9464-45E8CB01D89D}"/>
+              </a:ext>
+            </a:extLst>
+          </p:cNvPr>
+          <p:cNvSpPr>
+            <a:spLocks noGrp="1"/>
+          </p:cNvSpPr>
+          <p:nvPr>
+            <p:ph type="body" sz="quarter" idx="12"/>
+          </p:nvPr>
+        </p:nvSpPr>
+        <p:spPr>
+          <a:xfrm>
+            <a:off x="807164" y="1406106"/>
+            <a:ext cx="5984161" cy="2579557"/>
+          </a:xfrm>
+        </p:spPr>
+        <p:txBody>
+          <a:bodyPr vert="horz" lIns="91440" tIns="45720" rIns="91440" bIns="45720" rtlCol="0" anchor="t">
+            <a:normAutofit/>
+          </a:bodyPr>
+          <a:lstStyle/>
+          <a:p>
+            <a:pPr marL="0" indent="0">
+              <a:buNone/>
+            </a:pPr>
+            <a:endParaRPr lang="en-US" dirty="0"/>
+          </a:p>
+          <a:p>
+            <a:pPr marL="0" indent="0">
+              <a:buNone/>
+            </a:pPr>
+            <a:r>
+              <a:rPr lang="en-US" dirty="0"/>
+              <a:t>GitHub Repository Link - </a:t>
+            </a:r>
+            <a:r>
+              <a:rPr lang="en-US" dirty="0">
+                <a:hlinkClick r:id="rId3"/>
+              </a:rPr>
+              <a:t>https://github.com/1905Pras/VOIS_AICTE_Oct2025_MajorProject_Prasanth-M.git</a:t>
+            </a:r>
+            <a:endParaRPr lang="en-US" dirty="0"/>
+          </a:p>
+          <a:p>
+            <a:pPr marL="0" indent="0">
+              <a:buNone/>
+            </a:pPr>
+            <a:endParaRPr lang="en-US" dirty="0"/>
+          </a:p>
+        </p:txBody>
+      </p:sp>
+    </p:spTree>
+    <p:extLst>
+      <p:ext uri="{BB962C8B-B14F-4D97-AF65-F5344CB8AC3E}">
+        <p14:creationId xmlns:p14="http://schemas.microsoft.com/office/powerpoint/2010/main" val="1596923865"/>
+      </p:ext>
+    </p:extLst>
+  </p:cSld>
+  <p:clrMapOvr>
+    <a:masterClrMapping/>
+  </p:clrMapOvr>
+  <p:timing>
+    <p:tnLst>
+      <p:par>
+        <p:cTn id="1" dur="indefinite" restart="never" nodeType="tmRoot">
+          <p:childTnLst>
+            <p:seq concurrent="1" nextAc="seek">
+              <p:cTn id="2" dur="indefinite" nodeType="mainSeq">
+                <p:childTnLst>
+                  <p:par>
+                    <p:cTn id="3" fill="hold">
+                      <p:stCondLst>
+                        <p:cond delay="indefinite"/>
+                      </p:stCondLst>
+                      <p:childTnLst>
+                        <p:par>
+                          <p:cTn id="4" fill="hold">
+                            <p:stCondLst>
+                              <p:cond delay="0"/>
+                            </p:stCondLst>
+                            <p:childTnLst>
+                              <p:par>
+                                <p:cTn id="5" presetID="53" presetClass="entr" presetSubtype="16" fill="hold" grpId="0" nodeType="clickEffect">
+                                  <p:stCondLst>
+                                    <p:cond delay="0"/>
+                                  </p:stCondLst>
+                                  <p:childTnLst>
+                                    <p:set>
+                                      <p:cBhvr>
+                                        <p:cTn id="6" dur="1" fill="hold">
+                                          <p:stCondLst>
+                                            <p:cond delay="0"/>
+                                          </p:stCondLst>
+                                        </p:cTn>
+                                        <p:tgtEl>
+                                          <p:spTgt spid="4"/>
+                                        </p:tgtEl>
+                                        <p:attrNameLst>
+                                          <p:attrName>style.visibility</p:attrName>
+                                        </p:attrNameLst>
+                                      </p:cBhvr>
+                                      <p:to>
+                                        <p:strVal val="visible"/>
+                                      </p:to>
+                                    </p:set>
+                                    <p:anim calcmode="lin" valueType="num">
+                                      <p:cBhvr>
+                                        <p:cTn id="7" dur="500" fill="hold"/>
+                                        <p:tgtEl>
+                                          <p:spTgt spid="4"/>
+                                        </p:tgtEl>
+                                        <p:attrNameLst>
+                                          <p:attrName>ppt_w</p:attrName>
+                                        </p:attrNameLst>
+                                      </p:cBhvr>
+                                      <p:tavLst>
+                                        <p:tav tm="0">
+                                          <p:val>
+                                            <p:fltVal val="0"/>
+                                          </p:val>
+                                        </p:tav>
+                                        <p:tav tm="100000">
+                                          <p:val>
+                                            <p:strVal val="#ppt_w"/>
+                                          </p:val>
+                                        </p:tav>
+                                      </p:tavLst>
+                                    </p:anim>
+                                    <p:anim calcmode="lin" valueType="num">
+                                      <p:cBhvr>
+                                        <p:cTn id="8" dur="500" fill="hold"/>
+                                        <p:tgtEl>
+                                          <p:spTgt spid="4"/>
+                                        </p:tgtEl>
+                                        <p:attrNameLst>
+                                          <p:attrName>ppt_h</p:attrName>
+                                        </p:attrNameLst>
+                                      </p:cBhvr>
+                                      <p:tavLst>
+                                        <p:tav tm="0">
+                                          <p:val>
+                                            <p:fltVal val="0"/>
+                                          </p:val>
+                                        </p:tav>
+                                        <p:tav tm="100000">
+                                          <p:val>
+                                            <p:strVal val="#ppt_h"/>
+                                          </p:val>
+                                        </p:tav>
+                                      </p:tavLst>
+                                    </p:anim>
+                                    <p:animEffect transition="in" filter="fade">
+                                      <p:cBhvr>
+                                        <p:cTn id="9" dur="500"/>
+                                        <p:tgtEl>
+                                          <p:spTgt spid="4"/>
+                                        </p:tgtEl>
+                                      </p:cBhvr>
+                                    </p:animEffect>
+                                  </p:childTnLst>
+                                </p:cTn>
+                              </p:par>
+                            </p:childTnLst>
+                          </p:cTn>
+                        </p:par>
+                      </p:childTnLst>
+                    </p:cTn>
+                  </p:par>
+                  <p:par>
+                    <p:cTn id="10" fill="hold">
+                      <p:stCondLst>
+                        <p:cond delay="indefinite"/>
+                      </p:stCondLst>
+                      <p:childTnLst>
+                        <p:par>
+                          <p:cTn id="11" fill="hold">
+                            <p:stCondLst>
+                              <p:cond delay="0"/>
+                            </p:stCondLst>
+                            <p:childTnLst>
+                              <p:par>
+                                <p:cTn id="12" presetID="42" presetClass="entr" presetSubtype="0" fill="hold" grpId="0" nodeType="clickEffect" nodePh="1">
+                                  <p:stCondLst>
+                                    <p:cond delay="0"/>
+                                  </p:stCondLst>
+                                  <p:endCondLst>
+                                    <p:cond evt="begin" delay="0">
+                                      <p:tn val="12"/>
+                                    </p:cond>
+                                  </p:endCondLst>
+                                  <p:childTnLst>
+                                    <p:set>
+                                      <p:cBhvr>
+                                        <p:cTn id="13" dur="1" fill="hold">
+                                          <p:stCondLst>
+                                            <p:cond delay="0"/>
+                                          </p:stCondLst>
+                                        </p:cTn>
+                                        <p:tgtEl>
+                                          <p:spTgt spid="7"/>
+                                        </p:tgtEl>
+                                        <p:attrNameLst>
+                                          <p:attrName>style.visibility</p:attrName>
+                                        </p:attrNameLst>
+                                      </p:cBhvr>
+                                      <p:to>
+                                        <p:strVal val="visible"/>
+                                      </p:to>
+                                    </p:set>
+                                    <p:animEffect transition="in" filter="fade">
+                                      <p:cBhvr>
+                                        <p:cTn id="14" dur="1000"/>
+                                        <p:tgtEl>
+                                          <p:spTgt spid="7"/>
+                                        </p:tgtEl>
+                                      </p:cBhvr>
+                                    </p:animEffect>
+                                    <p:anim calcmode="lin" valueType="num">
+                                      <p:cBhvr>
+                                        <p:cTn id="15" dur="1000" fill="hold"/>
+                                        <p:tgtEl>
+                                          <p:spTgt spid="7"/>
+                                        </p:tgtEl>
+                                        <p:attrNameLst>
+                                          <p:attrName>ppt_x</p:attrName>
+                                        </p:attrNameLst>
+                                      </p:cBhvr>
+                                      <p:tavLst>
+                                        <p:tav tm="0">
+                                          <p:val>
+                                            <p:strVal val="#ppt_x"/>
+                                          </p:val>
+                                        </p:tav>
+                                        <p:tav tm="100000">
+                                          <p:val>
+                                            <p:strVal val="#ppt_x"/>
+                                          </p:val>
+                                        </p:tav>
+                                      </p:tavLst>
+                                    </p:anim>
+                                    <p:anim calcmode="lin" valueType="num">
+                                      <p:cBhvr>
+                                        <p:cTn id="16" dur="1000" fill="hold"/>
+                                        <p:tgtEl>
+                                          <p:spTgt spid="7"/>
+                                        </p:tgtEl>
+                                        <p:attrNameLst>
+                                          <p:attrName>ppt_y</p:attrName>
+                                        </p:attrNameLst>
+                                      </p:cBhvr>
+                                      <p:tavLst>
+                                        <p:tav tm="0">
+                                          <p:val>
+                                            <p:strVal val="#ppt_y+.1"/>
+                                          </p:val>
+                                        </p:tav>
+                                        <p:tav tm="100000">
+                                          <p:val>
+                                            <p:strVal val="#ppt_y"/>
+                                          </p:val>
+                                        </p:tav>
+                                      </p:tavLst>
+                                    </p:anim>
+                                  </p:childTnLst>
+                                </p:cTn>
+                              </p:par>
+                            </p:childTnLst>
+                          </p:cTn>
+                        </p:par>
+                      </p:childTnLst>
+                    </p:cTn>
+                  </p:par>
+                  <p:par>
+                    <p:cTn id="17" fill="hold">
+                      <p:stCondLst>
+                        <p:cond delay="indefinite"/>
+                      </p:stCondLst>
+                      <p:childTnLst>
+                        <p:par>
+                          <p:cTn id="18" fill="hold">
+                            <p:stCondLst>
+                              <p:cond delay="0"/>
+                            </p:stCondLst>
+                            <p:childTnLst>
+                              <p:par>
+                                <p:cTn id="19" presetID="42" presetClass="entr" presetSubtype="0" fill="hold" grpId="0" nodeType="clickEffect">
+                                  <p:stCondLst>
+                                    <p:cond delay="0"/>
+                                  </p:stCondLst>
+                                  <p:childTnLst>
+                                    <p:set>
+                                      <p:cBhvr>
+                                        <p:cTn id="20" dur="1" fill="hold">
+                                          <p:stCondLst>
+                                            <p:cond delay="0"/>
+                                          </p:stCondLst>
+                                        </p:cTn>
+                                        <p:tgtEl>
+                                          <p:spTgt spid="10">
+                                            <p:txEl>
+                                              <p:pRg st="1" end="1"/>
+                                            </p:txEl>
+                                          </p:spTgt>
+                                        </p:tgtEl>
+                                        <p:attrNameLst>
+                                          <p:attrName>style.visibility</p:attrName>
+                                        </p:attrNameLst>
+                                      </p:cBhvr>
+                                      <p:to>
+                                        <p:strVal val="visible"/>
+                                      </p:to>
+                                    </p:set>
+                                    <p:animEffect transition="in" filter="fade">
+                                      <p:cBhvr>
+                                        <p:cTn id="21" dur="1000"/>
+                                        <p:tgtEl>
+                                          <p:spTgt spid="10">
+                                            <p:txEl>
+                                              <p:pRg st="1" end="1"/>
+                                            </p:txEl>
+                                          </p:spTgt>
+                                        </p:tgtEl>
+                                      </p:cBhvr>
+                                    </p:animEffect>
+                                    <p:anim calcmode="lin" valueType="num">
+                                      <p:cBhvr>
+                                        <p:cTn id="22" dur="1000" fill="hold"/>
+                                        <p:tgtEl>
+                                          <p:spTgt spid="10">
+                                            <p:txEl>
+                                              <p:pRg st="1" end="1"/>
+                                            </p:txEl>
+                                          </p:spTgt>
+                                        </p:tgtEl>
+                                        <p:attrNameLst>
+                                          <p:attrName>ppt_x</p:attrName>
+                                        </p:attrNameLst>
+                                      </p:cBhvr>
+                                      <p:tavLst>
+                                        <p:tav tm="0">
+                                          <p:val>
+                                            <p:strVal val="#ppt_x"/>
+                                          </p:val>
+                                        </p:tav>
+                                        <p:tav tm="100000">
+                                          <p:val>
+                                            <p:strVal val="#ppt_x"/>
+                                          </p:val>
+                                        </p:tav>
+                                      </p:tavLst>
+                                    </p:anim>
+                                    <p:anim calcmode="lin" valueType="num">
+                                      <p:cBhvr>
+                                        <p:cTn id="23" dur="1000" fill="hold"/>
+                                        <p:tgtEl>
+                                          <p:spTgt spid="10">
+                                            <p:txEl>
+                                              <p:pRg st="1" end="1"/>
+                                            </p:txEl>
+                                          </p:spTgt>
+                                        </p:tgtEl>
+                                        <p:attrNameLst>
+                                          <p:attrName>ppt_y</p:attrName>
+                                        </p:attrNameLst>
+                                      </p:cBhvr>
+                                      <p:tavLst>
+                                        <p:tav tm="0">
+                                          <p:val>
+                                            <p:strVal val="#ppt_y+.1"/>
+                                          </p:val>
+                                        </p:tav>
+                                        <p:tav tm="100000">
+                                          <p:val>
+                                            <p:strVal val="#ppt_y"/>
+                                          </p:val>
+                                        </p:tav>
+                                      </p:tavLst>
+                                    </p:anim>
+                                  </p:childTnLst>
+                                </p:cTn>
+                              </p:par>
+                            </p:childTnLst>
+                          </p:cTn>
+                        </p:par>
+                      </p:childTnLst>
+                    </p:cTn>
+                  </p:par>
+                </p:childTnLst>
+              </p:cTn>
+              <p:prevCondLst>
+                <p:cond evt="onPrev" delay="0">
+                  <p:tgtEl>
+                    <p:sldTgt/>
+                  </p:tgtEl>
+                </p:cond>
+              </p:prevCondLst>
+              <p:nextCondLst>
+                <p:cond evt="onNext" delay="0">
+                  <p:tgtEl>
+                    <p:sldTgt/>
+                  </p:tgtEl>
+                </p:cond>
+              </p:nextCondLst>
+            </p:seq>
+          </p:childTnLst>
+        </p:cTn>
+      </p:par>
+    </p:tnLst>
+    <p:bldLst>
+      <p:bldP spid="4" grpId="0"/>
+      <p:bldP spid="7" grpId="0"/>
+      <p:bldP spid="10" grpId="0" build="p"/>
+    </p:bldLst>
+  </p:timing>
+</p:sld>
+</file>
+
+<file path=ppt/slides/slide11.xml><?xml version="1.0" encoding="utf-8"?>
+<p:sld xmlns:a="http://schemas.openxmlformats.org/drawingml/2006/main" xmlns:r="http://schemas.openxmlformats.org/officeDocument/2006/relationships" xmlns:p="http://schemas.openxmlformats.org/presentationml/2006/main">
+  <p:cSld>
+    <p:spTree>
+      <p:nvGrpSpPr>
+        <p:cNvPr id="1" name="">
+          <a:extLst>
+            <a:ext uri="{FF2B5EF4-FFF2-40B4-BE49-F238E27FC236}">
               <a16:creationId xmlns:a16="http://schemas.microsoft.com/office/drawing/2014/main" id="{9863FACE-D55E-9B4A-7A75-15654F5D4FD9}"/>
             </a:ext>
           </a:extLst>
@@ -11632,43 +12391,36 @@
           </a:p>
         </p:txBody>
       </p:sp>
-      <p:sp>
-        <p:nvSpPr>
-          <p:cNvPr id="10" name="Text Placeholder 1">
+      <p:pic>
+        <p:nvPicPr>
+          <p:cNvPr id="6" name="Picture 5">
             <a:extLst>
               <a:ext uri="{FF2B5EF4-FFF2-40B4-BE49-F238E27FC236}">
-                <a16:creationId xmlns:a16="http://schemas.microsoft.com/office/drawing/2014/main" id="{460BF899-F7CC-395F-D4B6-232771689F29}"/>
+                <a16:creationId xmlns:a16="http://schemas.microsoft.com/office/drawing/2014/main" id="{D71E0C07-E1FA-A17D-FABE-EFA8C41F090C}"/>
               </a:ext>
             </a:extLst>
           </p:cNvPr>
-          <p:cNvSpPr>
-            <a:spLocks noGrp="1"/>
-          </p:cNvSpPr>
-          <p:nvPr>
-            <p:ph type="body" sz="quarter" idx="12"/>
-          </p:nvPr>
-        </p:nvSpPr>
+          <p:cNvPicPr>
+            <a:picLocks noChangeAspect="1"/>
+          </p:cNvPicPr>
+          <p:nvPr/>
+        </p:nvPicPr>
+        <p:blipFill>
+          <a:blip r:embed="rId3"/>
+          <a:stretch>
+            <a:fillRect/>
+          </a:stretch>
+        </p:blipFill>
         <p:spPr>
           <a:xfrm>
-            <a:off x="833043" y="1183154"/>
-            <a:ext cx="4275138" cy="477520"/>
+            <a:off x="675957" y="1098985"/>
+            <a:ext cx="7866665" cy="5565975"/>
           </a:xfrm>
+          <a:prstGeom prst="rect">
+            <a:avLst/>
+          </a:prstGeom>
         </p:spPr>
-        <p:txBody>
-          <a:bodyPr/>
-          <a:lstStyle/>
-          <a:p>
-            <a:pPr marL="0" indent="0">
-              <a:buNone/>
-            </a:pPr>
-            <a:r>
-              <a:rPr lang="en-US" dirty="0"/>
-              <a:t>[Paste your Certificate Here]</a:t>
-            </a:r>
-            <a:endParaRPr lang="en-IN" dirty="0"/>
-          </a:p>
-        </p:txBody>
-      </p:sp>
+      </p:pic>
     </p:spTree>
     <p:extLst>
       <p:ext uri="{BB962C8B-B14F-4D97-AF65-F5344CB8AC3E}">
@@ -11994,121 +12746,6 @@
                       </p:childTnLst>
                     </p:cTn>
                   </p:par>
-                  <p:par>
-                    <p:cTn id="24" fill="hold">
-                      <p:stCondLst>
-                        <p:cond delay="indefinite"/>
-                      </p:stCondLst>
-                      <p:childTnLst>
-                        <p:par>
-                          <p:cTn id="25" fill="hold">
-                            <p:stCondLst>
-                              <p:cond delay="0"/>
-                            </p:stCondLst>
-                            <p:childTnLst>
-                              <p:par>
-                                <p:cTn id="26" presetID="42" presetClass="entr" presetSubtype="0" fill="hold" grpId="0" nodeType="clickEffect">
-                                  <p:stCondLst>
-                                    <p:cond delay="0"/>
-                                  </p:stCondLst>
-                                  <p:childTnLst>
-                                    <p:set>
-                                      <p:cBhvr>
-                                        <p:cTn id="27" dur="1" fill="hold">
-                                          <p:stCondLst>
-                                            <p:cond delay="0"/>
-                                          </p:stCondLst>
-                                        </p:cTn>
-                                        <p:tgtEl>
-                                          <p:spTgt spid="10">
-                                            <p:txEl>
-                                              <p:pRg st="0" end="0"/>
-                                            </p:txEl>
-                                          </p:spTgt>
-                                        </p:tgtEl>
-                                        <p:attrNameLst>
-                                          <p:attrName>style.visibility</p:attrName>
-                                        </p:attrNameLst>
-                                      </p:cBhvr>
-                                      <p:to>
-                                        <p:strVal val="visible"/>
-                                      </p:to>
-                                    </p:set>
-                                    <p:animEffect transition="in" filter="fade">
-                                      <p:cBhvr>
-                                        <p:cTn id="28" dur="1000"/>
-                                        <p:tgtEl>
-                                          <p:spTgt spid="10">
-                                            <p:txEl>
-                                              <p:pRg st="0" end="0"/>
-                                            </p:txEl>
-                                          </p:spTgt>
-                                        </p:tgtEl>
-                                      </p:cBhvr>
-                                    </p:animEffect>
-                                    <p:anim calcmode="lin" valueType="num">
-                                      <p:cBhvr>
-                                        <p:cTn id="29" dur="1000" fill="hold"/>
-                                        <p:tgtEl>
-                                          <p:spTgt spid="10">
-                                            <p:txEl>
-                                              <p:pRg st="0" end="0"/>
-                                            </p:txEl>
-                                          </p:spTgt>
-                                        </p:tgtEl>
-                                        <p:attrNameLst>
-                                          <p:attrName>ppt_x</p:attrName>
-                                        </p:attrNameLst>
-                                      </p:cBhvr>
-                                      <p:tavLst>
-                                        <p:tav tm="0">
-                                          <p:val>
-                                            <p:strVal val="#ppt_x"/>
-                                          </p:val>
-                                        </p:tav>
-                                        <p:tav tm="100000">
-                                          <p:val>
-                                            <p:strVal val="#ppt_x"/>
-                                          </p:val>
-                                        </p:tav>
-                                      </p:tavLst>
-                                    </p:anim>
-                                    <p:anim calcmode="lin" valueType="num">
-                                      <p:cBhvr>
-                                        <p:cTn id="30" dur="1000" fill="hold"/>
-                                        <p:tgtEl>
-                                          <p:spTgt spid="10">
-                                            <p:txEl>
-                                              <p:pRg st="0" end="0"/>
-                                            </p:txEl>
-                                          </p:spTgt>
-                                        </p:tgtEl>
-                                        <p:attrNameLst>
-                                          <p:attrName>ppt_y</p:attrName>
-                                        </p:attrNameLst>
-                                      </p:cBhvr>
-                                      <p:tavLst>
-                                        <p:tav tm="0">
-                                          <p:val>
-                                            <p:strVal val="#ppt_y+.1"/>
-                                          </p:val>
-                                        </p:tav>
-                                        <p:tav tm="100000">
-                                          <p:val>
-                                            <p:strVal val="#ppt_y"/>
-                                          </p:val>
-                                        </p:tav>
-                                      </p:tavLst>
-                                    </p:anim>
-                                  </p:childTnLst>
-                                </p:cTn>
-                              </p:par>
-                            </p:childTnLst>
-                          </p:cTn>
-                        </p:par>
-                      </p:childTnLst>
-                    </p:cTn>
-                  </p:par>
                 </p:childTnLst>
               </p:cTn>
               <p:prevCondLst>
@@ -12134,13 +12771,12 @@
       <p:bldP spid="4" grpId="0"/>
       <p:bldP spid="7" grpId="0"/>
       <p:bldP spid="8" grpId="0"/>
-      <p:bldP spid="10" grpId="0" build="p"/>
     </p:bldLst>
   </p:timing>
 </p:sld>
 </file>
 
-<file path=ppt/slides/slide11.xml><?xml version="1.0" encoding="utf-8"?>
+<file path=ppt/slides/slide12.xml><?xml version="1.0" encoding="utf-8"?>
 <p:sld xmlns:a="http://schemas.openxmlformats.org/drawingml/2006/main" xmlns:r="http://schemas.openxmlformats.org/officeDocument/2006/relationships" xmlns:p="http://schemas.openxmlformats.org/presentationml/2006/main">
   <p:cSld>
     <p:spTree>
@@ -12744,43 +13380,36 @@
           </a:p>
         </p:txBody>
       </p:sp>
-      <p:sp>
-        <p:nvSpPr>
-          <p:cNvPr id="10" name="Text Placeholder 1">
+      <p:pic>
+        <p:nvPicPr>
+          <p:cNvPr id="6" name="Picture 5">
             <a:extLst>
               <a:ext uri="{FF2B5EF4-FFF2-40B4-BE49-F238E27FC236}">
-                <a16:creationId xmlns:a16="http://schemas.microsoft.com/office/drawing/2014/main" id="{D48169FB-B4CE-0F31-B897-737AB3A70EC0}"/>
+                <a16:creationId xmlns:a16="http://schemas.microsoft.com/office/drawing/2014/main" id="{63EAE9DA-70F5-1A78-F47D-CD8FA69D2E10}"/>
               </a:ext>
             </a:extLst>
           </p:cNvPr>
-          <p:cNvSpPr>
-            <a:spLocks noGrp="1"/>
-          </p:cNvSpPr>
-          <p:nvPr>
-            <p:ph type="body" sz="quarter" idx="12"/>
-          </p:nvPr>
-        </p:nvSpPr>
+          <p:cNvPicPr>
+            <a:picLocks noChangeAspect="1"/>
+          </p:cNvPicPr>
+          <p:nvPr/>
+        </p:nvPicPr>
+        <p:blipFill>
+          <a:blip r:embed="rId3"/>
+          <a:stretch>
+            <a:fillRect/>
+          </a:stretch>
+        </p:blipFill>
         <p:spPr>
           <a:xfrm>
-            <a:off x="833043" y="1183154"/>
-            <a:ext cx="4275138" cy="477520"/>
+            <a:off x="675957" y="1003810"/>
+            <a:ext cx="8139352" cy="5739890"/>
           </a:xfrm>
+          <a:prstGeom prst="rect">
+            <a:avLst/>
+          </a:prstGeom>
         </p:spPr>
-        <p:txBody>
-          <a:bodyPr/>
-          <a:lstStyle/>
-          <a:p>
-            <a:pPr marL="0" indent="0">
-              <a:buNone/>
-            </a:pPr>
-            <a:r>
-              <a:rPr lang="en-US" dirty="0"/>
-              <a:t>[Paste your Certificate Here]</a:t>
-            </a:r>
-            <a:endParaRPr lang="en-IN" dirty="0"/>
-          </a:p>
-        </p:txBody>
-      </p:sp>
+      </p:pic>
     </p:spTree>
     <p:extLst>
       <p:ext uri="{BB962C8B-B14F-4D97-AF65-F5344CB8AC3E}">
@@ -13106,121 +13735,6 @@
                       </p:childTnLst>
                     </p:cTn>
                   </p:par>
-                  <p:par>
-                    <p:cTn id="24" fill="hold">
-                      <p:stCondLst>
-                        <p:cond delay="indefinite"/>
-                      </p:stCondLst>
-                      <p:childTnLst>
-                        <p:par>
-                          <p:cTn id="25" fill="hold">
-                            <p:stCondLst>
-                              <p:cond delay="0"/>
-                            </p:stCondLst>
-                            <p:childTnLst>
-                              <p:par>
-                                <p:cTn id="26" presetID="42" presetClass="entr" presetSubtype="0" fill="hold" grpId="0" nodeType="clickEffect">
-                                  <p:stCondLst>
-                                    <p:cond delay="0"/>
-                                  </p:stCondLst>
-                                  <p:childTnLst>
-                                    <p:set>
-                                      <p:cBhvr>
-                                        <p:cTn id="27" dur="1" fill="hold">
-                                          <p:stCondLst>
-                                            <p:cond delay="0"/>
-                                          </p:stCondLst>
-                                        </p:cTn>
-                                        <p:tgtEl>
-                                          <p:spTgt spid="10">
-                                            <p:txEl>
-                                              <p:pRg st="0" end="0"/>
-                                            </p:txEl>
-                                          </p:spTgt>
-                                        </p:tgtEl>
-                                        <p:attrNameLst>
-                                          <p:attrName>style.visibility</p:attrName>
-                                        </p:attrNameLst>
-                                      </p:cBhvr>
-                                      <p:to>
-                                        <p:strVal val="visible"/>
-                                      </p:to>
-                                    </p:set>
-                                    <p:animEffect transition="in" filter="fade">
-                                      <p:cBhvr>
-                                        <p:cTn id="28" dur="1000"/>
-                                        <p:tgtEl>
-                                          <p:spTgt spid="10">
-                                            <p:txEl>
-                                              <p:pRg st="0" end="0"/>
-                                            </p:txEl>
-                                          </p:spTgt>
-                                        </p:tgtEl>
-                                      </p:cBhvr>
-                                    </p:animEffect>
-                                    <p:anim calcmode="lin" valueType="num">
-                                      <p:cBhvr>
-                                        <p:cTn id="29" dur="1000" fill="hold"/>
-                                        <p:tgtEl>
-                                          <p:spTgt spid="10">
-                                            <p:txEl>
-                                              <p:pRg st="0" end="0"/>
-                                            </p:txEl>
-                                          </p:spTgt>
-                                        </p:tgtEl>
-                                        <p:attrNameLst>
-                                          <p:attrName>ppt_x</p:attrName>
-                                        </p:attrNameLst>
-                                      </p:cBhvr>
-                                      <p:tavLst>
-                                        <p:tav tm="0">
-                                          <p:val>
-                                            <p:strVal val="#ppt_x"/>
-                                          </p:val>
-                                        </p:tav>
-                                        <p:tav tm="100000">
-                                          <p:val>
-                                            <p:strVal val="#ppt_x"/>
-                                          </p:val>
-                                        </p:tav>
-                                      </p:tavLst>
-                                    </p:anim>
-                                    <p:anim calcmode="lin" valueType="num">
-                                      <p:cBhvr>
-                                        <p:cTn id="30" dur="1000" fill="hold"/>
-                                        <p:tgtEl>
-                                          <p:spTgt spid="10">
-                                            <p:txEl>
-                                              <p:pRg st="0" end="0"/>
-                                            </p:txEl>
-                                          </p:spTgt>
-                                        </p:tgtEl>
-                                        <p:attrNameLst>
-                                          <p:attrName>ppt_y</p:attrName>
-                                        </p:attrNameLst>
-                                      </p:cBhvr>
-                                      <p:tavLst>
-                                        <p:tav tm="0">
-                                          <p:val>
-                                            <p:strVal val="#ppt_y+.1"/>
-                                          </p:val>
-                                        </p:tav>
-                                        <p:tav tm="100000">
-                                          <p:val>
-                                            <p:strVal val="#ppt_y"/>
-                                          </p:val>
-                                        </p:tav>
-                                      </p:tavLst>
-                                    </p:anim>
-                                  </p:childTnLst>
-                                </p:cTn>
-                              </p:par>
-                            </p:childTnLst>
-                          </p:cTn>
-                        </p:par>
-                      </p:childTnLst>
-                    </p:cTn>
-                  </p:par>
                 </p:childTnLst>
               </p:cTn>
               <p:prevCondLst>
@@ -13246,13 +13760,12 @@
       <p:bldP spid="4" grpId="0"/>
       <p:bldP spid="7" grpId="0"/>
       <p:bldP spid="8" grpId="0"/>
-      <p:bldP spid="10" grpId="0" build="p"/>
     </p:bldLst>
   </p:timing>
 </p:sld>
 </file>
 
-<file path=ppt/slides/slide12.xml><?xml version="1.0" encoding="utf-8"?>
+<file path=ppt/slides/slide13.xml><?xml version="1.0" encoding="utf-8"?>
 <p:sld xmlns:a="http://schemas.openxmlformats.org/drawingml/2006/main" xmlns:r="http://schemas.openxmlformats.org/officeDocument/2006/relationships" xmlns:p="http://schemas.openxmlformats.org/presentationml/2006/main">
   <p:cSld>
     <p:spTree>
@@ -13286,6 +13799,10 @@
           </p:nvPr>
         </p:nvSpPr>
         <p:spPr>
+          <a:xfrm>
+            <a:off x="197560" y="2670905"/>
+            <a:ext cx="11340000" cy="700114"/>
+          </a:xfrm>
           <a:prstGeom prst="rect">
             <a:avLst/>
           </a:prstGeom>
@@ -14655,38 +15172,6 @@
           </a:prstGeom>
         </p:spPr>
       </p:pic>
-      <p:sp>
-        <p:nvSpPr>
-          <p:cNvPr id="12" name="Text Placeholder 11">
-            <a:extLst>
-              <a:ext uri="{FF2B5EF4-FFF2-40B4-BE49-F238E27FC236}">
-                <a16:creationId xmlns:a16="http://schemas.microsoft.com/office/drawing/2014/main" id="{BC277FD7-925B-4C3D-A364-118403201507}"/>
-              </a:ext>
-            </a:extLst>
-          </p:cNvPr>
-          <p:cNvSpPr>
-            <a:spLocks noGrp="1"/>
-          </p:cNvSpPr>
-          <p:nvPr>
-            <p:ph type="body" sz="quarter" idx="12"/>
-          </p:nvPr>
-        </p:nvSpPr>
-        <p:spPr>
-          <a:xfrm>
-            <a:off x="2975013" y="3962573"/>
-            <a:ext cx="2139696" cy="344312"/>
-          </a:xfrm>
-        </p:spPr>
-        <p:txBody>
-          <a:bodyPr>
-            <a:normAutofit fontScale="92500" lnSpcReduction="20000"/>
-          </a:bodyPr>
-          <a:lstStyle/>
-          <a:p>
-            <a:endParaRPr lang="en-IN" dirty="0"/>
-          </a:p>
-        </p:txBody>
-      </p:sp>
     </p:spTree>
     <p:extLst>
       <p:ext uri="{BB962C8B-B14F-4D97-AF65-F5344CB8AC3E}">
@@ -17848,10 +18333,10 @@
                         <a:buNone/>
                       </a:pPr>
                       <a:r>
-                        <a:rPr lang="en-IN" sz="1700" b="1"/>
+                        <a:rPr lang="en-IN" sz="1700" b="1" dirty="0"/>
                         <a:t>Python</a:t>
                       </a:r>
-                      <a:endParaRPr lang="en-IN" sz="1700"/>
+                      <a:endParaRPr lang="en-IN" sz="1700" dirty="0"/>
                     </a:p>
                   </a:txBody>
                   <a:tcPr marL="84379" marR="84379" marT="42190" marB="42190" anchor="ctr">
@@ -18220,13 +18705,8 @@
                       </a:pPr>
                       <a:r>
                         <a:rPr lang="en-US" sz="1700" dirty="0"/>
-                        <a:t>LLMs like ChatGPT are used for coding and </a:t>
+                        <a:t>LLMs like ChatGPT are used for coding and analysis purpose.</a:t>
                       </a:r>
-                      <a:r>
-                        <a:rPr lang="en-US" sz="1700"/>
-                        <a:t>analysis purpose.</a:t>
-                      </a:r>
-                      <a:endParaRPr lang="en-US" sz="1700" dirty="0"/>
                     </a:p>
                   </a:txBody>
                   <a:tcPr marL="84379" marR="84379" marT="42190" marB="42190" anchor="ctr">
@@ -18465,7 +18945,7 @@
         <p:spPr>
           <a:xfrm>
             <a:off x="675957" y="370589"/>
-            <a:ext cx="2981643" cy="830997"/>
+            <a:ext cx="7803809" cy="830997"/>
           </a:xfrm>
         </p:spPr>
         <p:txBody>
@@ -18476,7 +18956,7 @@
           <a:p>
             <a:r>
               <a:rPr lang="en-GB" dirty="0"/>
-              <a:t>RESULTS1 </a:t>
+              <a:t>Sample Code </a:t>
             </a:r>
             <a:endParaRPr lang="en-IN" dirty="0"/>
           </a:p>
@@ -18996,10 +19476,10 @@
       </p:sp>
       <p:sp>
         <p:nvSpPr>
-          <p:cNvPr id="10" name="Text Placeholder 1">
+          <p:cNvPr id="3" name="Text Placeholder 2">
             <a:extLst>
               <a:ext uri="{FF2B5EF4-FFF2-40B4-BE49-F238E27FC236}">
-                <a16:creationId xmlns:a16="http://schemas.microsoft.com/office/drawing/2014/main" id="{B19D8AC7-3787-4ADB-9212-0808F015C2DD}"/>
+                <a16:creationId xmlns:a16="http://schemas.microsoft.com/office/drawing/2014/main" id="{5CE2A84B-8D60-159C-AA0E-A23613F802F9}"/>
               </a:ext>
             </a:extLst>
           </p:cNvPr>
@@ -19012,13 +19492,13 @@
         </p:nvSpPr>
         <p:spPr>
           <a:xfrm>
-            <a:off x="807164" y="1431693"/>
-            <a:ext cx="4275138" cy="477520"/>
+            <a:off x="534837" y="1275372"/>
+            <a:ext cx="8669547" cy="4581964"/>
           </a:xfrm>
         </p:spPr>
         <p:txBody>
           <a:bodyPr>
-            <a:normAutofit fontScale="77500" lnSpcReduction="20000"/>
+            <a:normAutofit/>
           </a:bodyPr>
           <a:lstStyle/>
           <a:p>
@@ -19026,10 +19506,236 @@
               <a:buNone/>
             </a:pPr>
             <a:r>
-              <a:rPr lang="en-US" dirty="0"/>
-              <a:t>[Add screen shots of your code or Chart(s) ]</a:t>
+              <a:rPr lang="en-IN" sz="1050" dirty="0"/>
+              <a:t># 1. Content Distribution: Movies vs TV Shows</a:t>
             </a:r>
-            <a:endParaRPr lang="en-IN" dirty="0"/>
+          </a:p>
+          <a:p>
+            <a:pPr marL="0" indent="0">
+              <a:buNone/>
+            </a:pPr>
+            <a:r>
+              <a:rPr lang="en-IN" sz="1050" dirty="0" err="1"/>
+              <a:t>content_type_count</a:t>
+            </a:r>
+            <a:r>
+              <a:rPr lang="en-IN" sz="1050" dirty="0"/>
+              <a:t> = df['Category'].</a:t>
+            </a:r>
+            <a:r>
+              <a:rPr lang="en-IN" sz="1050" dirty="0" err="1"/>
+              <a:t>value_counts</a:t>
+            </a:r>
+            <a:r>
+              <a:rPr lang="en-IN" sz="1050" dirty="0"/>
+              <a:t>()</a:t>
+            </a:r>
+          </a:p>
+          <a:p>
+            <a:pPr marL="0" indent="0">
+              <a:buNone/>
+            </a:pPr>
+            <a:r>
+              <a:rPr lang="en-IN" sz="1050" dirty="0"/>
+              <a:t>plt.figure(figsize=(6,6))</a:t>
+            </a:r>
+          </a:p>
+          <a:p>
+            <a:pPr marL="0" indent="0">
+              <a:buNone/>
+            </a:pPr>
+            <a:r>
+              <a:rPr lang="en-IN" sz="1050" dirty="0"/>
+              <a:t>colors = </a:t>
+            </a:r>
+            <a:r>
+              <a:rPr lang="en-IN" sz="1050" dirty="0" err="1"/>
+              <a:t>sns.color_palette</a:t>
+            </a:r>
+            <a:r>
+              <a:rPr lang="en-IN" sz="1050" dirty="0"/>
+              <a:t>("pastel")</a:t>
+            </a:r>
+          </a:p>
+          <a:p>
+            <a:pPr marL="0" indent="0">
+              <a:buNone/>
+            </a:pPr>
+            <a:r>
+              <a:rPr lang="en-IN" sz="1050" dirty="0" err="1"/>
+              <a:t>plt.pie</a:t>
+            </a:r>
+            <a:r>
+              <a:rPr lang="en-IN" sz="1050" dirty="0"/>
+              <a:t>(</a:t>
+            </a:r>
+            <a:r>
+              <a:rPr lang="en-IN" sz="1050" dirty="0" err="1"/>
+              <a:t>content_type_count</a:t>
+            </a:r>
+            <a:r>
+              <a:rPr lang="en-IN" sz="1050" dirty="0"/>
+              <a:t>, labels=</a:t>
+            </a:r>
+            <a:r>
+              <a:rPr lang="en-IN" sz="1050" dirty="0" err="1"/>
+              <a:t>content_type_count.index</a:t>
+            </a:r>
+            <a:r>
+              <a:rPr lang="en-IN" sz="1050" dirty="0"/>
+              <a:t>, </a:t>
+            </a:r>
+            <a:r>
+              <a:rPr lang="en-IN" sz="1050" dirty="0" err="1"/>
+              <a:t>autopct</a:t>
+            </a:r>
+            <a:r>
+              <a:rPr lang="en-IN" sz="1050" dirty="0"/>
+              <a:t>='%1.1f%%', colors=colors)</a:t>
+            </a:r>
+          </a:p>
+          <a:p>
+            <a:pPr marL="0" indent="0">
+              <a:buNone/>
+            </a:pPr>
+            <a:r>
+              <a:rPr lang="en-IN" sz="1050" dirty="0"/>
+              <a:t>plt.title('Distribution of Movies vs TV Shows on Netflix')</a:t>
+            </a:r>
+          </a:p>
+          <a:p>
+            <a:pPr marL="0" indent="0">
+              <a:buNone/>
+            </a:pPr>
+            <a:r>
+              <a:rPr lang="en-IN" sz="1050" dirty="0"/>
+              <a:t>plt.show()</a:t>
+            </a:r>
+          </a:p>
+          <a:p>
+            <a:pPr marL="0" indent="0">
+              <a:buNone/>
+            </a:pPr>
+            <a:r>
+              <a:rPr lang="en-IN" sz="1050" dirty="0"/>
+              <a:t># 2. Content Growth Over the Years</a:t>
+            </a:r>
+          </a:p>
+          <a:p>
+            <a:pPr marL="0" indent="0">
+              <a:buNone/>
+            </a:pPr>
+            <a:r>
+              <a:rPr lang="en-IN" sz="1050" dirty="0" err="1"/>
+              <a:t>yearly_trend</a:t>
+            </a:r>
+            <a:r>
+              <a:rPr lang="en-IN" sz="1050" dirty="0"/>
+              <a:t> = </a:t>
+            </a:r>
+            <a:r>
+              <a:rPr lang="en-IN" sz="1050" dirty="0" err="1"/>
+              <a:t>df.groupby</a:t>
+            </a:r>
+            <a:r>
+              <a:rPr lang="en-IN" sz="1050" dirty="0"/>
+              <a:t>(['Year', 'Category']).size().</a:t>
+            </a:r>
+            <a:r>
+              <a:rPr lang="en-IN" sz="1050" dirty="0" err="1"/>
+              <a:t>reset_index</a:t>
+            </a:r>
+            <a:r>
+              <a:rPr lang="en-IN" sz="1050" dirty="0"/>
+              <a:t>(name='Count')</a:t>
+            </a:r>
+          </a:p>
+          <a:p>
+            <a:pPr marL="0" indent="0">
+              <a:buNone/>
+            </a:pPr>
+            <a:r>
+              <a:rPr lang="en-IN" sz="1050" dirty="0"/>
+              <a:t>plt.figure(figsize=(12,6))</a:t>
+            </a:r>
+          </a:p>
+          <a:p>
+            <a:pPr marL="0" indent="0">
+              <a:buNone/>
+            </a:pPr>
+            <a:r>
+              <a:rPr lang="en-IN" sz="1050" dirty="0" err="1"/>
+              <a:t>sns.lineplot</a:t>
+            </a:r>
+            <a:r>
+              <a:rPr lang="en-IN" sz="1050" dirty="0"/>
+              <a:t>(data=</a:t>
+            </a:r>
+            <a:r>
+              <a:rPr lang="en-IN" sz="1050" dirty="0" err="1"/>
+              <a:t>yearly_trend</a:t>
+            </a:r>
+            <a:r>
+              <a:rPr lang="en-IN" sz="1050" dirty="0"/>
+              <a:t>, x='Year', y='Count', hue='Category', marker='o')</a:t>
+            </a:r>
+          </a:p>
+          <a:p>
+            <a:pPr marL="0" indent="0">
+              <a:buNone/>
+            </a:pPr>
+            <a:r>
+              <a:rPr lang="en-IN" sz="1050" dirty="0"/>
+              <a:t>plt.title('Netflix Content Growth Over the Years')</a:t>
+            </a:r>
+          </a:p>
+          <a:p>
+            <a:pPr marL="0" indent="0">
+              <a:buNone/>
+            </a:pPr>
+            <a:r>
+              <a:rPr lang="en-IN" sz="1050" dirty="0" err="1"/>
+              <a:t>plt.xlabel</a:t>
+            </a:r>
+            <a:r>
+              <a:rPr lang="en-IN" sz="1050" dirty="0"/>
+              <a:t>('Year')</a:t>
+            </a:r>
+          </a:p>
+          <a:p>
+            <a:pPr marL="0" indent="0">
+              <a:buNone/>
+            </a:pPr>
+            <a:r>
+              <a:rPr lang="en-IN" sz="1050" dirty="0" err="1"/>
+              <a:t>plt.ylabel</a:t>
+            </a:r>
+            <a:r>
+              <a:rPr lang="en-IN" sz="1050" dirty="0"/>
+              <a:t>('Number of Titles Added')</a:t>
+            </a:r>
+          </a:p>
+          <a:p>
+            <a:pPr marL="0" indent="0">
+              <a:buNone/>
+            </a:pPr>
+            <a:r>
+              <a:rPr lang="en-IN" sz="1050" dirty="0" err="1"/>
+              <a:t>plt.grid</a:t>
+            </a:r>
+            <a:r>
+              <a:rPr lang="en-IN" sz="1050" dirty="0"/>
+              <a:t>(True)</a:t>
+            </a:r>
+          </a:p>
+          <a:p>
+            <a:pPr marL="0" indent="0">
+              <a:buNone/>
+            </a:pPr>
+            <a:r>
+              <a:rPr lang="en-IN" sz="1050" dirty="0"/>
+              <a:t>plt.show()</a:t>
+            </a:r>
           </a:p>
         </p:txBody>
       </p:sp>
@@ -19358,37 +20064,832 @@
                       </p:childTnLst>
                     </p:cTn>
                   </p:par>
+                </p:childTnLst>
+              </p:cTn>
+              <p:prevCondLst>
+                <p:cond evt="onPrev" delay="0">
+                  <p:tgtEl>
+                    <p:sldTgt/>
+                  </p:tgtEl>
+                </p:cond>
+              </p:prevCondLst>
+              <p:nextCondLst>
+                <p:cond evt="onNext" delay="0">
+                  <p:tgtEl>
+                    <p:sldTgt/>
+                  </p:tgtEl>
+                </p:cond>
+              </p:nextCondLst>
+            </p:seq>
+          </p:childTnLst>
+        </p:cTn>
+      </p:par>
+    </p:tnLst>
+    <p:bldLst>
+      <p:bldP spid="4" grpId="0"/>
+      <p:bldP spid="7" grpId="0"/>
+      <p:bldP spid="8" grpId="0"/>
+    </p:bldLst>
+  </p:timing>
+</p:sld>
+</file>
+
+<file path=ppt/slides/slide7.xml><?xml version="1.0" encoding="utf-8"?>
+<p:sld xmlns:a="http://schemas.openxmlformats.org/drawingml/2006/main" xmlns:r="http://schemas.openxmlformats.org/officeDocument/2006/relationships" xmlns:p="http://schemas.openxmlformats.org/presentationml/2006/main">
+  <p:cSld>
+    <p:spTree>
+      <p:nvGrpSpPr>
+        <p:cNvPr id="1" name="">
+          <a:extLst>
+            <a:ext uri="{FF2B5EF4-FFF2-40B4-BE49-F238E27FC236}">
+              <a16:creationId xmlns:a16="http://schemas.microsoft.com/office/drawing/2014/main" id="{9EC5E509-56A3-C49B-54DD-E2CFAEBED828}"/>
+            </a:ext>
+          </a:extLst>
+        </p:cNvPr>
+        <p:cNvGrpSpPr/>
+        <p:nvPr/>
+      </p:nvGrpSpPr>
+      <p:grpSpPr>
+        <a:xfrm>
+          <a:off x="0" y="0"/>
+          <a:ext cx="0" cy="0"/>
+          <a:chOff x="0" y="0"/>
+          <a:chExt cx="0" cy="0"/>
+        </a:xfrm>
+      </p:grpSpPr>
+      <p:pic>
+        <p:nvPicPr>
+          <p:cNvPr id="5" name="Picture 4">
+            <a:extLst>
+              <a:ext uri="{FF2B5EF4-FFF2-40B4-BE49-F238E27FC236}">
+                <a16:creationId xmlns:a16="http://schemas.microsoft.com/office/drawing/2014/main" id="{41C31355-E946-76BA-8FF1-5AD8308C3C17}"/>
+              </a:ext>
+            </a:extLst>
+          </p:cNvPr>
+          <p:cNvPicPr>
+            <a:picLocks noChangeAspect="1"/>
+          </p:cNvPicPr>
+          <p:nvPr/>
+        </p:nvPicPr>
+        <p:blipFill rotWithShape="1">
+          <a:blip r:embed="rId2"/>
+          <a:srcRect t="96181"/>
+          <a:stretch/>
+        </p:blipFill>
+        <p:spPr>
+          <a:xfrm>
+            <a:off x="675957" y="6471920"/>
+            <a:ext cx="2143125" cy="193040"/>
+          </a:xfrm>
+          <a:prstGeom prst="rect">
+            <a:avLst/>
+          </a:prstGeom>
+        </p:spPr>
+      </p:pic>
+      <p:sp>
+        <p:nvSpPr>
+          <p:cNvPr id="4" name="Title 3">
+            <a:extLst>
+              <a:ext uri="{FF2B5EF4-FFF2-40B4-BE49-F238E27FC236}">
+                <a16:creationId xmlns:a16="http://schemas.microsoft.com/office/drawing/2014/main" id="{290B1F9C-4EEA-45A6-A10C-1CF3078D93F7}"/>
+              </a:ext>
+            </a:extLst>
+          </p:cNvPr>
+          <p:cNvSpPr>
+            <a:spLocks noGrp="1"/>
+          </p:cNvSpPr>
+          <p:nvPr>
+            <p:ph type="title"/>
+          </p:nvPr>
+        </p:nvSpPr>
+        <p:spPr>
+          <a:xfrm>
+            <a:off x="675957" y="370589"/>
+            <a:ext cx="2981643" cy="830997"/>
+          </a:xfrm>
+        </p:spPr>
+        <p:txBody>
+          <a:bodyPr>
+            <a:normAutofit/>
+          </a:bodyPr>
+          <a:lstStyle/>
+          <a:p>
+            <a:r>
+              <a:rPr lang="en-GB" dirty="0"/>
+              <a:t>RESULTS1 </a:t>
+            </a:r>
+            <a:endParaRPr lang="en-IN" dirty="0"/>
+          </a:p>
+        </p:txBody>
+      </p:sp>
+      <p:sp>
+        <p:nvSpPr>
+          <p:cNvPr id="7" name="Text Placeholder 30">
+            <a:extLst>
+              <a:ext uri="{FF2B5EF4-FFF2-40B4-BE49-F238E27FC236}">
+                <a16:creationId xmlns:a16="http://schemas.microsoft.com/office/drawing/2014/main" id="{9DD96028-6831-CE8C-EBA4-EC8692A177C3}"/>
+              </a:ext>
+            </a:extLst>
+          </p:cNvPr>
+          <p:cNvSpPr txBox="1">
+            <a:spLocks/>
+          </p:cNvSpPr>
+          <p:nvPr/>
+        </p:nvSpPr>
+        <p:spPr>
+          <a:xfrm>
+            <a:off x="320982" y="1275371"/>
+            <a:ext cx="3343561" cy="666078"/>
+          </a:xfrm>
+          <a:prstGeom prst="rect">
+            <a:avLst/>
+          </a:prstGeom>
+        </p:spPr>
+        <p:txBody>
+          <a:bodyPr vert="horz" lIns="91440" tIns="45720" rIns="91440" bIns="45720" rtlCol="0">
+            <a:normAutofit/>
+          </a:bodyPr>
+          <a:lstStyle>
+            <a:lvl1pPr marL="0" indent="0" algn="ctr" defTabSz="457200" rtl="0" eaLnBrk="1" latinLnBrk="0" hangingPunct="1">
+              <a:spcBef>
+                <a:spcPts val="1000"/>
+              </a:spcBef>
+              <a:spcAft>
+                <a:spcPts val="0"/>
+              </a:spcAft>
+              <a:buClr>
+                <a:schemeClr val="accent1"/>
+              </a:buClr>
+              <a:buSzPct val="80000"/>
+              <a:buFont typeface="Wingdings 3" charset="2"/>
+              <a:buNone/>
+              <a:defRPr lang="en-US" sz="1600" kern="1200" dirty="0" smtClean="0">
+                <a:solidFill>
+                  <a:schemeClr val="tx1"/>
+                </a:solidFill>
+                <a:latin typeface="+mn-lt"/>
+                <a:ea typeface="+mn-ea"/>
+                <a:cs typeface="+mn-cs"/>
+              </a:defRPr>
+            </a:lvl1pPr>
+            <a:lvl2pPr marL="742950" indent="-285750" algn="l" defTabSz="457200" rtl="0" eaLnBrk="1" latinLnBrk="0" hangingPunct="1">
+              <a:spcBef>
+                <a:spcPts val="1000"/>
+              </a:spcBef>
+              <a:spcAft>
+                <a:spcPts val="0"/>
+              </a:spcAft>
+              <a:buClr>
+                <a:schemeClr val="accent1"/>
+              </a:buClr>
+              <a:buSzPct val="80000"/>
+              <a:buFont typeface="Wingdings 3" charset="2"/>
+              <a:buChar char=""/>
+              <a:defRPr sz="1600" kern="1200">
+                <a:solidFill>
+                  <a:schemeClr val="tx1">
+                    <a:lumMod val="75000"/>
+                    <a:lumOff val="25000"/>
+                  </a:schemeClr>
+                </a:solidFill>
+                <a:latin typeface="+mn-lt"/>
+                <a:ea typeface="+mn-ea"/>
+                <a:cs typeface="+mn-cs"/>
+              </a:defRPr>
+            </a:lvl2pPr>
+            <a:lvl3pPr marL="1143000" indent="-228600" algn="l" defTabSz="457200" rtl="0" eaLnBrk="1" latinLnBrk="0" hangingPunct="1">
+              <a:spcBef>
+                <a:spcPts val="1000"/>
+              </a:spcBef>
+              <a:spcAft>
+                <a:spcPts val="0"/>
+              </a:spcAft>
+              <a:buClr>
+                <a:schemeClr val="accent1"/>
+              </a:buClr>
+              <a:buSzPct val="80000"/>
+              <a:buFont typeface="Wingdings 3" charset="2"/>
+              <a:buChar char=""/>
+              <a:defRPr sz="1400" kern="1200">
+                <a:solidFill>
+                  <a:schemeClr val="tx1">
+                    <a:lumMod val="75000"/>
+                    <a:lumOff val="25000"/>
+                  </a:schemeClr>
+                </a:solidFill>
+                <a:latin typeface="+mn-lt"/>
+                <a:ea typeface="+mn-ea"/>
+                <a:cs typeface="+mn-cs"/>
+              </a:defRPr>
+            </a:lvl3pPr>
+            <a:lvl4pPr marL="1600200" indent="-228600" algn="l" defTabSz="457200" rtl="0" eaLnBrk="1" latinLnBrk="0" hangingPunct="1">
+              <a:spcBef>
+                <a:spcPts val="1000"/>
+              </a:spcBef>
+              <a:spcAft>
+                <a:spcPts val="0"/>
+              </a:spcAft>
+              <a:buClr>
+                <a:schemeClr val="accent1"/>
+              </a:buClr>
+              <a:buSzPct val="80000"/>
+              <a:buFont typeface="Wingdings 3" charset="2"/>
+              <a:buChar char=""/>
+              <a:defRPr sz="1200" kern="1200">
+                <a:solidFill>
+                  <a:schemeClr val="tx1">
+                    <a:lumMod val="75000"/>
+                    <a:lumOff val="25000"/>
+                  </a:schemeClr>
+                </a:solidFill>
+                <a:latin typeface="+mn-lt"/>
+                <a:ea typeface="+mn-ea"/>
+                <a:cs typeface="+mn-cs"/>
+              </a:defRPr>
+            </a:lvl4pPr>
+            <a:lvl5pPr marL="2057400" indent="-228600" algn="l" defTabSz="457200" rtl="0" eaLnBrk="1" latinLnBrk="0" hangingPunct="1">
+              <a:spcBef>
+                <a:spcPts val="1000"/>
+              </a:spcBef>
+              <a:spcAft>
+                <a:spcPts val="0"/>
+              </a:spcAft>
+              <a:buClr>
+                <a:schemeClr val="accent1"/>
+              </a:buClr>
+              <a:buSzPct val="80000"/>
+              <a:buFont typeface="Wingdings 3" charset="2"/>
+              <a:buChar char=""/>
+              <a:defRPr sz="1200" kern="1200">
+                <a:solidFill>
+                  <a:schemeClr val="tx1">
+                    <a:lumMod val="75000"/>
+                    <a:lumOff val="25000"/>
+                  </a:schemeClr>
+                </a:solidFill>
+                <a:latin typeface="+mn-lt"/>
+                <a:ea typeface="+mn-ea"/>
+                <a:cs typeface="+mn-cs"/>
+              </a:defRPr>
+            </a:lvl5pPr>
+            <a:lvl6pPr marL="2514600" indent="-228600" algn="l" defTabSz="457200" rtl="0" eaLnBrk="1" latinLnBrk="0" hangingPunct="1">
+              <a:spcBef>
+                <a:spcPts val="1000"/>
+              </a:spcBef>
+              <a:spcAft>
+                <a:spcPts val="0"/>
+              </a:spcAft>
+              <a:buClr>
+                <a:schemeClr val="accent1"/>
+              </a:buClr>
+              <a:buSzPct val="80000"/>
+              <a:buFont typeface="Wingdings 3" charset="2"/>
+              <a:buChar char=""/>
+              <a:defRPr sz="1200" kern="1200">
+                <a:solidFill>
+                  <a:schemeClr val="tx1">
+                    <a:lumMod val="75000"/>
+                    <a:lumOff val="25000"/>
+                  </a:schemeClr>
+                </a:solidFill>
+                <a:latin typeface="+mn-lt"/>
+                <a:ea typeface="+mn-ea"/>
+                <a:cs typeface="+mn-cs"/>
+              </a:defRPr>
+            </a:lvl6pPr>
+            <a:lvl7pPr marL="2971800" indent="-228600" algn="l" defTabSz="457200" rtl="0" eaLnBrk="1" latinLnBrk="0" hangingPunct="1">
+              <a:spcBef>
+                <a:spcPts val="1000"/>
+              </a:spcBef>
+              <a:spcAft>
+                <a:spcPts val="0"/>
+              </a:spcAft>
+              <a:buClr>
+                <a:schemeClr val="accent1"/>
+              </a:buClr>
+              <a:buSzPct val="80000"/>
+              <a:buFont typeface="Wingdings 3" charset="2"/>
+              <a:buChar char=""/>
+              <a:defRPr sz="1200" kern="1200">
+                <a:solidFill>
+                  <a:schemeClr val="tx1">
+                    <a:lumMod val="75000"/>
+                    <a:lumOff val="25000"/>
+                  </a:schemeClr>
+                </a:solidFill>
+                <a:latin typeface="+mn-lt"/>
+                <a:ea typeface="+mn-ea"/>
+                <a:cs typeface="+mn-cs"/>
+              </a:defRPr>
+            </a:lvl7pPr>
+            <a:lvl8pPr marL="3429000" indent="-228600" algn="l" defTabSz="457200" rtl="0" eaLnBrk="1" latinLnBrk="0" hangingPunct="1">
+              <a:spcBef>
+                <a:spcPts val="1000"/>
+              </a:spcBef>
+              <a:spcAft>
+                <a:spcPts val="0"/>
+              </a:spcAft>
+              <a:buClr>
+                <a:schemeClr val="accent1"/>
+              </a:buClr>
+              <a:buSzPct val="80000"/>
+              <a:buFont typeface="Wingdings 3" charset="2"/>
+              <a:buChar char=""/>
+              <a:defRPr sz="1200" kern="1200">
+                <a:solidFill>
+                  <a:schemeClr val="tx1">
+                    <a:lumMod val="75000"/>
+                    <a:lumOff val="25000"/>
+                  </a:schemeClr>
+                </a:solidFill>
+                <a:latin typeface="+mn-lt"/>
+                <a:ea typeface="+mn-ea"/>
+                <a:cs typeface="+mn-cs"/>
+              </a:defRPr>
+            </a:lvl8pPr>
+            <a:lvl9pPr marL="3886200" indent="-228600" algn="l" defTabSz="457200" rtl="0" eaLnBrk="1" latinLnBrk="0" hangingPunct="1">
+              <a:spcBef>
+                <a:spcPts val="1000"/>
+              </a:spcBef>
+              <a:spcAft>
+                <a:spcPts val="0"/>
+              </a:spcAft>
+              <a:buClr>
+                <a:schemeClr val="accent1"/>
+              </a:buClr>
+              <a:buSzPct val="80000"/>
+              <a:buFont typeface="Wingdings 3" charset="2"/>
+              <a:buChar char=""/>
+              <a:defRPr sz="1200" kern="1200">
+                <a:solidFill>
+                  <a:schemeClr val="tx1">
+                    <a:lumMod val="75000"/>
+                    <a:lumOff val="25000"/>
+                  </a:schemeClr>
+                </a:solidFill>
+                <a:latin typeface="+mn-lt"/>
+                <a:ea typeface="+mn-ea"/>
+                <a:cs typeface="+mn-cs"/>
+              </a:defRPr>
+            </a:lvl9pPr>
+          </a:lstStyle>
+          <a:p>
+            <a:endParaRPr lang="en-GB" sz="2000" dirty="0"/>
+          </a:p>
+        </p:txBody>
+      </p:sp>
+      <p:sp>
+        <p:nvSpPr>
+          <p:cNvPr id="8" name="Text Placeholder 30">
+            <a:extLst>
+              <a:ext uri="{FF2B5EF4-FFF2-40B4-BE49-F238E27FC236}">
+                <a16:creationId xmlns:a16="http://schemas.microsoft.com/office/drawing/2014/main" id="{3A829A61-E406-32D2-550F-61C46DD32287}"/>
+              </a:ext>
+            </a:extLst>
+          </p:cNvPr>
+          <p:cNvSpPr txBox="1">
+            <a:spLocks/>
+          </p:cNvSpPr>
+          <p:nvPr/>
+        </p:nvSpPr>
+        <p:spPr>
+          <a:xfrm>
+            <a:off x="4345694" y="1275371"/>
+            <a:ext cx="3343561" cy="666078"/>
+          </a:xfrm>
+          <a:prstGeom prst="rect">
+            <a:avLst/>
+          </a:prstGeom>
+        </p:spPr>
+        <p:txBody>
+          <a:bodyPr vert="horz" lIns="91440" tIns="45720" rIns="91440" bIns="45720" rtlCol="0">
+            <a:normAutofit/>
+          </a:bodyPr>
+          <a:lstStyle>
+            <a:lvl1pPr marL="0" indent="0" algn="ctr" defTabSz="457200" rtl="0" eaLnBrk="1" latinLnBrk="0" hangingPunct="1">
+              <a:spcBef>
+                <a:spcPts val="1000"/>
+              </a:spcBef>
+              <a:spcAft>
+                <a:spcPts val="0"/>
+              </a:spcAft>
+              <a:buClr>
+                <a:schemeClr val="accent1"/>
+              </a:buClr>
+              <a:buSzPct val="80000"/>
+              <a:buFont typeface="Wingdings 3" charset="2"/>
+              <a:buNone/>
+              <a:defRPr lang="en-US" sz="1600" kern="1200" dirty="0" smtClean="0">
+                <a:solidFill>
+                  <a:schemeClr val="tx1"/>
+                </a:solidFill>
+                <a:latin typeface="+mn-lt"/>
+                <a:ea typeface="+mn-ea"/>
+                <a:cs typeface="+mn-cs"/>
+              </a:defRPr>
+            </a:lvl1pPr>
+            <a:lvl2pPr marL="742950" indent="-285750" algn="l" defTabSz="457200" rtl="0" eaLnBrk="1" latinLnBrk="0" hangingPunct="1">
+              <a:spcBef>
+                <a:spcPts val="1000"/>
+              </a:spcBef>
+              <a:spcAft>
+                <a:spcPts val="0"/>
+              </a:spcAft>
+              <a:buClr>
+                <a:schemeClr val="accent1"/>
+              </a:buClr>
+              <a:buSzPct val="80000"/>
+              <a:buFont typeface="Wingdings 3" charset="2"/>
+              <a:buChar char=""/>
+              <a:defRPr sz="1600" kern="1200">
+                <a:solidFill>
+                  <a:schemeClr val="tx1">
+                    <a:lumMod val="75000"/>
+                    <a:lumOff val="25000"/>
+                  </a:schemeClr>
+                </a:solidFill>
+                <a:latin typeface="+mn-lt"/>
+                <a:ea typeface="+mn-ea"/>
+                <a:cs typeface="+mn-cs"/>
+              </a:defRPr>
+            </a:lvl2pPr>
+            <a:lvl3pPr marL="1143000" indent="-228600" algn="l" defTabSz="457200" rtl="0" eaLnBrk="1" latinLnBrk="0" hangingPunct="1">
+              <a:spcBef>
+                <a:spcPts val="1000"/>
+              </a:spcBef>
+              <a:spcAft>
+                <a:spcPts val="0"/>
+              </a:spcAft>
+              <a:buClr>
+                <a:schemeClr val="accent1"/>
+              </a:buClr>
+              <a:buSzPct val="80000"/>
+              <a:buFont typeface="Wingdings 3" charset="2"/>
+              <a:buChar char=""/>
+              <a:defRPr sz="1400" kern="1200">
+                <a:solidFill>
+                  <a:schemeClr val="tx1">
+                    <a:lumMod val="75000"/>
+                    <a:lumOff val="25000"/>
+                  </a:schemeClr>
+                </a:solidFill>
+                <a:latin typeface="+mn-lt"/>
+                <a:ea typeface="+mn-ea"/>
+                <a:cs typeface="+mn-cs"/>
+              </a:defRPr>
+            </a:lvl3pPr>
+            <a:lvl4pPr marL="1600200" indent="-228600" algn="l" defTabSz="457200" rtl="0" eaLnBrk="1" latinLnBrk="0" hangingPunct="1">
+              <a:spcBef>
+                <a:spcPts val="1000"/>
+              </a:spcBef>
+              <a:spcAft>
+                <a:spcPts val="0"/>
+              </a:spcAft>
+              <a:buClr>
+                <a:schemeClr val="accent1"/>
+              </a:buClr>
+              <a:buSzPct val="80000"/>
+              <a:buFont typeface="Wingdings 3" charset="2"/>
+              <a:buChar char=""/>
+              <a:defRPr sz="1200" kern="1200">
+                <a:solidFill>
+                  <a:schemeClr val="tx1">
+                    <a:lumMod val="75000"/>
+                    <a:lumOff val="25000"/>
+                  </a:schemeClr>
+                </a:solidFill>
+                <a:latin typeface="+mn-lt"/>
+                <a:ea typeface="+mn-ea"/>
+                <a:cs typeface="+mn-cs"/>
+              </a:defRPr>
+            </a:lvl4pPr>
+            <a:lvl5pPr marL="2057400" indent="-228600" algn="l" defTabSz="457200" rtl="0" eaLnBrk="1" latinLnBrk="0" hangingPunct="1">
+              <a:spcBef>
+                <a:spcPts val="1000"/>
+              </a:spcBef>
+              <a:spcAft>
+                <a:spcPts val="0"/>
+              </a:spcAft>
+              <a:buClr>
+                <a:schemeClr val="accent1"/>
+              </a:buClr>
+              <a:buSzPct val="80000"/>
+              <a:buFont typeface="Wingdings 3" charset="2"/>
+              <a:buChar char=""/>
+              <a:defRPr sz="1200" kern="1200">
+                <a:solidFill>
+                  <a:schemeClr val="tx1">
+                    <a:lumMod val="75000"/>
+                    <a:lumOff val="25000"/>
+                  </a:schemeClr>
+                </a:solidFill>
+                <a:latin typeface="+mn-lt"/>
+                <a:ea typeface="+mn-ea"/>
+                <a:cs typeface="+mn-cs"/>
+              </a:defRPr>
+            </a:lvl5pPr>
+            <a:lvl6pPr marL="2514600" indent="-228600" algn="l" defTabSz="457200" rtl="0" eaLnBrk="1" latinLnBrk="0" hangingPunct="1">
+              <a:spcBef>
+                <a:spcPts val="1000"/>
+              </a:spcBef>
+              <a:spcAft>
+                <a:spcPts val="0"/>
+              </a:spcAft>
+              <a:buClr>
+                <a:schemeClr val="accent1"/>
+              </a:buClr>
+              <a:buSzPct val="80000"/>
+              <a:buFont typeface="Wingdings 3" charset="2"/>
+              <a:buChar char=""/>
+              <a:defRPr sz="1200" kern="1200">
+                <a:solidFill>
+                  <a:schemeClr val="tx1">
+                    <a:lumMod val="75000"/>
+                    <a:lumOff val="25000"/>
+                  </a:schemeClr>
+                </a:solidFill>
+                <a:latin typeface="+mn-lt"/>
+                <a:ea typeface="+mn-ea"/>
+                <a:cs typeface="+mn-cs"/>
+              </a:defRPr>
+            </a:lvl6pPr>
+            <a:lvl7pPr marL="2971800" indent="-228600" algn="l" defTabSz="457200" rtl="0" eaLnBrk="1" latinLnBrk="0" hangingPunct="1">
+              <a:spcBef>
+                <a:spcPts val="1000"/>
+              </a:spcBef>
+              <a:spcAft>
+                <a:spcPts val="0"/>
+              </a:spcAft>
+              <a:buClr>
+                <a:schemeClr val="accent1"/>
+              </a:buClr>
+              <a:buSzPct val="80000"/>
+              <a:buFont typeface="Wingdings 3" charset="2"/>
+              <a:buChar char=""/>
+              <a:defRPr sz="1200" kern="1200">
+                <a:solidFill>
+                  <a:schemeClr val="tx1">
+                    <a:lumMod val="75000"/>
+                    <a:lumOff val="25000"/>
+                  </a:schemeClr>
+                </a:solidFill>
+                <a:latin typeface="+mn-lt"/>
+                <a:ea typeface="+mn-ea"/>
+                <a:cs typeface="+mn-cs"/>
+              </a:defRPr>
+            </a:lvl7pPr>
+            <a:lvl8pPr marL="3429000" indent="-228600" algn="l" defTabSz="457200" rtl="0" eaLnBrk="1" latinLnBrk="0" hangingPunct="1">
+              <a:spcBef>
+                <a:spcPts val="1000"/>
+              </a:spcBef>
+              <a:spcAft>
+                <a:spcPts val="0"/>
+              </a:spcAft>
+              <a:buClr>
+                <a:schemeClr val="accent1"/>
+              </a:buClr>
+              <a:buSzPct val="80000"/>
+              <a:buFont typeface="Wingdings 3" charset="2"/>
+              <a:buChar char=""/>
+              <a:defRPr sz="1200" kern="1200">
+                <a:solidFill>
+                  <a:schemeClr val="tx1">
+                    <a:lumMod val="75000"/>
+                    <a:lumOff val="25000"/>
+                  </a:schemeClr>
+                </a:solidFill>
+                <a:latin typeface="+mn-lt"/>
+                <a:ea typeface="+mn-ea"/>
+                <a:cs typeface="+mn-cs"/>
+              </a:defRPr>
+            </a:lvl8pPr>
+            <a:lvl9pPr marL="3886200" indent="-228600" algn="l" defTabSz="457200" rtl="0" eaLnBrk="1" latinLnBrk="0" hangingPunct="1">
+              <a:spcBef>
+                <a:spcPts val="1000"/>
+              </a:spcBef>
+              <a:spcAft>
+                <a:spcPts val="0"/>
+              </a:spcAft>
+              <a:buClr>
+                <a:schemeClr val="accent1"/>
+              </a:buClr>
+              <a:buSzPct val="80000"/>
+              <a:buFont typeface="Wingdings 3" charset="2"/>
+              <a:buChar char=""/>
+              <a:defRPr sz="1200" kern="1200">
+                <a:solidFill>
+                  <a:schemeClr val="tx1">
+                    <a:lumMod val="75000"/>
+                    <a:lumOff val="25000"/>
+                  </a:schemeClr>
+                </a:solidFill>
+                <a:latin typeface="+mn-lt"/>
+                <a:ea typeface="+mn-ea"/>
+                <a:cs typeface="+mn-cs"/>
+              </a:defRPr>
+            </a:lvl9pPr>
+          </a:lstStyle>
+          <a:p>
+            <a:endParaRPr lang="en-GB" sz="2000" dirty="0"/>
+          </a:p>
+        </p:txBody>
+      </p:sp>
+      <p:pic>
+        <p:nvPicPr>
+          <p:cNvPr id="3074" name="Picture 2">
+            <a:extLst>
+              <a:ext uri="{FF2B5EF4-FFF2-40B4-BE49-F238E27FC236}">
+                <a16:creationId xmlns:a16="http://schemas.microsoft.com/office/drawing/2014/main" id="{DA6A5C50-F13A-44B8-C411-1D1D7BC22198}"/>
+              </a:ext>
+            </a:extLst>
+          </p:cNvPr>
+          <p:cNvPicPr>
+            <a:picLocks noChangeAspect="1" noChangeArrowheads="1"/>
+          </p:cNvPicPr>
+          <p:nvPr/>
+        </p:nvPicPr>
+        <p:blipFill>
+          <a:blip r:embed="rId3">
+            <a:extLst>
+              <a:ext uri="{28A0092B-C50C-407E-A947-70E740481C1C}">
+                <a14:useLocalDpi xmlns:a14="http://schemas.microsoft.com/office/drawing/2010/main" val="0"/>
+              </a:ext>
+            </a:extLst>
+          </a:blip>
+          <a:srcRect/>
+          <a:stretch>
+            <a:fillRect/>
+          </a:stretch>
+        </p:blipFill>
+        <p:spPr bwMode="auto">
+          <a:xfrm>
+            <a:off x="1537479" y="1395911"/>
+            <a:ext cx="4581525" cy="4800600"/>
+          </a:xfrm>
+          <a:prstGeom prst="rect">
+            <a:avLst/>
+          </a:prstGeom>
+          <a:noFill/>
+          <a:extLst>
+            <a:ext uri="{909E8E84-426E-40DD-AFC4-6F175D3DCCD1}">
+              <a14:hiddenFill xmlns:a14="http://schemas.microsoft.com/office/drawing/2010/main">
+                <a:solidFill>
+                  <a:srgbClr val="FFFFFF"/>
+                </a:solidFill>
+              </a14:hiddenFill>
+            </a:ext>
+          </a:extLst>
+        </p:spPr>
+      </p:pic>
+    </p:spTree>
+    <p:extLst>
+      <p:ext uri="{BB962C8B-B14F-4D97-AF65-F5344CB8AC3E}">
+        <p14:creationId xmlns:p14="http://schemas.microsoft.com/office/powerpoint/2010/main" val="3784548635"/>
+      </p:ext>
+    </p:extLst>
+  </p:cSld>
+  <p:clrMapOvr>
+    <a:masterClrMapping/>
+  </p:clrMapOvr>
+  <p:timing>
+    <p:tnLst>
+      <p:par>
+        <p:cTn id="1" dur="indefinite" restart="never" nodeType="tmRoot">
+          <p:childTnLst>
+            <p:seq concurrent="1" nextAc="seek">
+              <p:cTn id="2" dur="indefinite" nodeType="mainSeq">
+                <p:childTnLst>
                   <p:par>
-                    <p:cTn id="24" fill="hold">
+                    <p:cTn id="3" fill="hold">
                       <p:stCondLst>
                         <p:cond delay="indefinite"/>
                       </p:stCondLst>
                       <p:childTnLst>
                         <p:par>
-                          <p:cTn id="25" fill="hold">
+                          <p:cTn id="4" fill="hold">
                             <p:stCondLst>
                               <p:cond delay="0"/>
                             </p:stCondLst>
                             <p:childTnLst>
                               <p:par>
-                                <p:cTn id="26" presetID="42" presetClass="entr" presetSubtype="0" fill="hold" grpId="0" nodeType="clickEffect">
+                                <p:cTn id="5" presetID="53" presetClass="entr" presetSubtype="16" fill="hold" grpId="0" nodeType="clickEffect">
                                   <p:stCondLst>
                                     <p:cond delay="0"/>
                                   </p:stCondLst>
                                   <p:childTnLst>
                                     <p:set>
                                       <p:cBhvr>
-                                        <p:cTn id="27" dur="1" fill="hold">
+                                        <p:cTn id="6" dur="1" fill="hold">
                                           <p:stCondLst>
                                             <p:cond delay="0"/>
                                           </p:stCondLst>
                                         </p:cTn>
                                         <p:tgtEl>
-                                          <p:spTgt spid="10">
-                                            <p:txEl>
-                                              <p:pRg st="0" end="0"/>
-                                            </p:txEl>
-                                          </p:spTgt>
+                                          <p:spTgt spid="4"/>
+                                        </p:tgtEl>
+                                        <p:attrNameLst>
+                                          <p:attrName>style.visibility</p:attrName>
+                                        </p:attrNameLst>
+                                      </p:cBhvr>
+                                      <p:to>
+                                        <p:strVal val="visible"/>
+                                      </p:to>
+                                    </p:set>
+                                    <p:anim calcmode="lin" valueType="num">
+                                      <p:cBhvr>
+                                        <p:cTn id="7" dur="500" fill="hold"/>
+                                        <p:tgtEl>
+                                          <p:spTgt spid="4"/>
+                                        </p:tgtEl>
+                                        <p:attrNameLst>
+                                          <p:attrName>ppt_w</p:attrName>
+                                        </p:attrNameLst>
+                                      </p:cBhvr>
+                                      <p:tavLst>
+                                        <p:tav tm="0">
+                                          <p:val>
+                                            <p:fltVal val="0"/>
+                                          </p:val>
+                                        </p:tav>
+                                        <p:tav tm="100000">
+                                          <p:val>
+                                            <p:strVal val="#ppt_w"/>
+                                          </p:val>
+                                        </p:tav>
+                                      </p:tavLst>
+                                    </p:anim>
+                                    <p:anim calcmode="lin" valueType="num">
+                                      <p:cBhvr>
+                                        <p:cTn id="8" dur="500" fill="hold"/>
+                                        <p:tgtEl>
+                                          <p:spTgt spid="4"/>
+                                        </p:tgtEl>
+                                        <p:attrNameLst>
+                                          <p:attrName>ppt_h</p:attrName>
+                                        </p:attrNameLst>
+                                      </p:cBhvr>
+                                      <p:tavLst>
+                                        <p:tav tm="0">
+                                          <p:val>
+                                            <p:fltVal val="0"/>
+                                          </p:val>
+                                        </p:tav>
+                                        <p:tav tm="100000">
+                                          <p:val>
+                                            <p:strVal val="#ppt_h"/>
+                                          </p:val>
+                                        </p:tav>
+                                      </p:tavLst>
+                                    </p:anim>
+                                    <p:animEffect transition="in" filter="fade">
+                                      <p:cBhvr>
+                                        <p:cTn id="9" dur="500"/>
+                                        <p:tgtEl>
+                                          <p:spTgt spid="4"/>
+                                        </p:tgtEl>
+                                      </p:cBhvr>
+                                    </p:animEffect>
+                                  </p:childTnLst>
+                                </p:cTn>
+                              </p:par>
+                            </p:childTnLst>
+                          </p:cTn>
+                        </p:par>
+                      </p:childTnLst>
+                    </p:cTn>
+                  </p:par>
+                  <p:par>
+                    <p:cTn id="10" fill="hold">
+                      <p:stCondLst>
+                        <p:cond delay="indefinite"/>
+                      </p:stCondLst>
+                      <p:childTnLst>
+                        <p:par>
+                          <p:cTn id="11" fill="hold">
+                            <p:stCondLst>
+                              <p:cond delay="0"/>
+                            </p:stCondLst>
+                            <p:childTnLst>
+                              <p:par>
+                                <p:cTn id="12" presetID="42" presetClass="entr" presetSubtype="0" fill="hold" grpId="0" nodeType="clickEffect" nodePh="1">
+                                  <p:stCondLst>
+                                    <p:cond delay="0"/>
+                                  </p:stCondLst>
+                                  <p:endCondLst>
+                                    <p:cond evt="begin" delay="0">
+                                      <p:tn val="12"/>
+                                    </p:cond>
+                                  </p:endCondLst>
+                                  <p:childTnLst>
+                                    <p:set>
+                                      <p:cBhvr>
+                                        <p:cTn id="13" dur="1" fill="hold">
+                                          <p:stCondLst>
+                                            <p:cond delay="0"/>
+                                          </p:stCondLst>
+                                        </p:cTn>
+                                        <p:tgtEl>
+                                          <p:spTgt spid="7"/>
                                         </p:tgtEl>
                                         <p:attrNameLst>
                                           <p:attrName>style.visibility</p:attrName>
@@ -19400,25 +20901,17 @@
                                     </p:set>
                                     <p:animEffect transition="in" filter="fade">
                                       <p:cBhvr>
-                                        <p:cTn id="28" dur="1000"/>
+                                        <p:cTn id="14" dur="1000"/>
                                         <p:tgtEl>
-                                          <p:spTgt spid="10">
-                                            <p:txEl>
-                                              <p:pRg st="0" end="0"/>
-                                            </p:txEl>
-                                          </p:spTgt>
+                                          <p:spTgt spid="7"/>
                                         </p:tgtEl>
                                       </p:cBhvr>
                                     </p:animEffect>
                                     <p:anim calcmode="lin" valueType="num">
                                       <p:cBhvr>
-                                        <p:cTn id="29" dur="1000" fill="hold"/>
+                                        <p:cTn id="15" dur="1000" fill="hold"/>
                                         <p:tgtEl>
-                                          <p:spTgt spid="10">
-                                            <p:txEl>
-                                              <p:pRg st="0" end="0"/>
-                                            </p:txEl>
-                                          </p:spTgt>
+                                          <p:spTgt spid="7"/>
                                         </p:tgtEl>
                                         <p:attrNameLst>
                                           <p:attrName>ppt_x</p:attrName>
@@ -19439,13 +20932,113 @@
                                     </p:anim>
                                     <p:anim calcmode="lin" valueType="num">
                                       <p:cBhvr>
-                                        <p:cTn id="30" dur="1000" fill="hold"/>
+                                        <p:cTn id="16" dur="1000" fill="hold"/>
                                         <p:tgtEl>
-                                          <p:spTgt spid="10">
-                                            <p:txEl>
-                                              <p:pRg st="0" end="0"/>
-                                            </p:txEl>
-                                          </p:spTgt>
+                                          <p:spTgt spid="7"/>
+                                        </p:tgtEl>
+                                        <p:attrNameLst>
+                                          <p:attrName>ppt_y</p:attrName>
+                                        </p:attrNameLst>
+                                      </p:cBhvr>
+                                      <p:tavLst>
+                                        <p:tav tm="0">
+                                          <p:val>
+                                            <p:strVal val="#ppt_y+.1"/>
+                                          </p:val>
+                                        </p:tav>
+                                        <p:tav tm="100000">
+                                          <p:val>
+                                            <p:strVal val="#ppt_y"/>
+                                          </p:val>
+                                        </p:tav>
+                                      </p:tavLst>
+                                    </p:anim>
+                                  </p:childTnLst>
+                                </p:cTn>
+                              </p:par>
+                            </p:childTnLst>
+                          </p:cTn>
+                        </p:par>
+                      </p:childTnLst>
+                    </p:cTn>
+                  </p:par>
+                  <p:par>
+                    <p:cTn id="17" fill="hold">
+                      <p:stCondLst>
+                        <p:cond delay="indefinite"/>
+                      </p:stCondLst>
+                      <p:childTnLst>
+                        <p:par>
+                          <p:cTn id="18" fill="hold">
+                            <p:stCondLst>
+                              <p:cond delay="0"/>
+                            </p:stCondLst>
+                            <p:childTnLst>
+                              <p:par>
+                                <p:cTn id="19" presetID="42" presetClass="entr" presetSubtype="0" fill="hold" grpId="0" nodeType="clickEffect" nodePh="1">
+                                  <p:stCondLst>
+                                    <p:cond delay="0"/>
+                                  </p:stCondLst>
+                                  <p:endCondLst>
+                                    <p:cond evt="begin" delay="0">
+                                      <p:tn val="19"/>
+                                    </p:cond>
+                                  </p:endCondLst>
+                                  <p:childTnLst>
+                                    <p:set>
+                                      <p:cBhvr>
+                                        <p:cTn id="20" dur="1" fill="hold">
+                                          <p:stCondLst>
+                                            <p:cond delay="0"/>
+                                          </p:stCondLst>
+                                        </p:cTn>
+                                        <p:tgtEl>
+                                          <p:spTgt spid="8"/>
+                                        </p:tgtEl>
+                                        <p:attrNameLst>
+                                          <p:attrName>style.visibility</p:attrName>
+                                        </p:attrNameLst>
+                                      </p:cBhvr>
+                                      <p:to>
+                                        <p:strVal val="visible"/>
+                                      </p:to>
+                                    </p:set>
+                                    <p:animEffect transition="in" filter="fade">
+                                      <p:cBhvr>
+                                        <p:cTn id="21" dur="1000"/>
+                                        <p:tgtEl>
+                                          <p:spTgt spid="8"/>
+                                        </p:tgtEl>
+                                      </p:cBhvr>
+                                    </p:animEffect>
+                                    <p:anim calcmode="lin" valueType="num">
+                                      <p:cBhvr>
+                                        <p:cTn id="22" dur="1000" fill="hold"/>
+                                        <p:tgtEl>
+                                          <p:spTgt spid="8"/>
+                                        </p:tgtEl>
+                                        <p:attrNameLst>
+                                          <p:attrName>ppt_x</p:attrName>
+                                        </p:attrNameLst>
+                                      </p:cBhvr>
+                                      <p:tavLst>
+                                        <p:tav tm="0">
+                                          <p:val>
+                                            <p:strVal val="#ppt_x"/>
+                                          </p:val>
+                                        </p:tav>
+                                        <p:tav tm="100000">
+                                          <p:val>
+                                            <p:strVal val="#ppt_x"/>
+                                          </p:val>
+                                        </p:tav>
+                                      </p:tavLst>
+                                    </p:anim>
+                                    <p:anim calcmode="lin" valueType="num">
+                                      <p:cBhvr>
+                                        <p:cTn id="23" dur="1000" fill="hold"/>
+                                        <p:tgtEl>
+                                          <p:spTgt spid="8"/>
                                         </p:tgtEl>
                                         <p:attrNameLst>
                                           <p:attrName>ppt_y</p:attrName>
@@ -19498,13 +21091,12 @@
       <p:bldP spid="4" grpId="0"/>
       <p:bldP spid="7" grpId="0"/>
       <p:bldP spid="8" grpId="0"/>
-      <p:bldP spid="10" grpId="0" build="p"/>
     </p:bldLst>
   </p:timing>
 </p:sld>
 </file>
 
-<file path=ppt/slides/slide7.xml><?xml version="1.0" encoding="utf-8"?>
+<file path=ppt/slides/slide8.xml><?xml version="1.0" encoding="utf-8"?>
 <p:sld xmlns:a="http://schemas.openxmlformats.org/drawingml/2006/main" xmlns:r="http://schemas.openxmlformats.org/officeDocument/2006/relationships" xmlns:p="http://schemas.openxmlformats.org/presentationml/2006/main">
   <p:cSld>
     <p:spTree>
@@ -20104,45 +21696,53 @@
           </a:p>
         </p:txBody>
       </p:sp>
-      <p:sp>
-        <p:nvSpPr>
-          <p:cNvPr id="10" name="Text Placeholder 1">
+      <p:pic>
+        <p:nvPicPr>
+          <p:cNvPr id="4098" name="Picture 2">
             <a:extLst>
               <a:ext uri="{FF2B5EF4-FFF2-40B4-BE49-F238E27FC236}">
-                <a16:creationId xmlns:a16="http://schemas.microsoft.com/office/drawing/2014/main" id="{91963C39-9433-02BA-5A2B-62380BFD21C5}"/>
+                <a16:creationId xmlns:a16="http://schemas.microsoft.com/office/drawing/2014/main" id="{7D5371C2-BEA4-A8FA-09C3-3C1D30942113}"/>
               </a:ext>
             </a:extLst>
           </p:cNvPr>
-          <p:cNvSpPr>
-            <a:spLocks noGrp="1"/>
-          </p:cNvSpPr>
-          <p:nvPr>
-            <p:ph type="body" sz="quarter" idx="12"/>
-          </p:nvPr>
-        </p:nvSpPr>
-        <p:spPr>
+          <p:cNvPicPr>
+            <a:picLocks noChangeAspect="1" noChangeArrowheads="1"/>
+          </p:cNvPicPr>
+          <p:nvPr/>
+        </p:nvPicPr>
+        <p:blipFill>
+          <a:blip r:embed="rId3">
+            <a:extLst>
+              <a:ext uri="{28A0092B-C50C-407E-A947-70E740481C1C}">
+                <a14:useLocalDpi xmlns:a14="http://schemas.microsoft.com/office/drawing/2010/main" val="0"/>
+              </a:ext>
+            </a:extLst>
+          </a:blip>
+          <a:srcRect/>
+          <a:stretch>
+            <a:fillRect/>
+          </a:stretch>
+        </p:blipFill>
+        <p:spPr bwMode="auto">
           <a:xfrm>
-            <a:off x="807164" y="1431693"/>
-            <a:ext cx="4275138" cy="477520"/>
+            <a:off x="456334" y="1201586"/>
+            <a:ext cx="8694186" cy="4690059"/>
           </a:xfrm>
+          <a:prstGeom prst="rect">
+            <a:avLst/>
+          </a:prstGeom>
+          <a:noFill/>
+          <a:extLst>
+            <a:ext uri="{909E8E84-426E-40DD-AFC4-6F175D3DCCD1}">
+              <a14:hiddenFill xmlns:a14="http://schemas.microsoft.com/office/drawing/2010/main">
+                <a:solidFill>
+                  <a:srgbClr val="FFFFFF"/>
+                </a:solidFill>
+              </a14:hiddenFill>
+            </a:ext>
+          </a:extLst>
         </p:spPr>
-        <p:txBody>
-          <a:bodyPr>
-            <a:normAutofit fontScale="77500" lnSpcReduction="20000"/>
-          </a:bodyPr>
-          <a:lstStyle/>
-          <a:p>
-            <a:pPr marL="0" indent="0">
-              <a:buNone/>
-            </a:pPr>
-            <a:r>
-              <a:rPr lang="en-US" dirty="0"/>
-              <a:t>[Add screen shots of your code or Chart(s) ]</a:t>
-            </a:r>
-            <a:endParaRPr lang="en-IN" dirty="0"/>
-          </a:p>
-        </p:txBody>
-      </p:sp>
+      </p:pic>
     </p:spTree>
     <p:extLst>
       <p:ext uri="{BB962C8B-B14F-4D97-AF65-F5344CB8AC3E}">
@@ -20468,121 +22068,6 @@
                       </p:childTnLst>
                     </p:cTn>
                   </p:par>
-                  <p:par>
-                    <p:cTn id="24" fill="hold">
-                      <p:stCondLst>
-                        <p:cond delay="indefinite"/>
-                      </p:stCondLst>
-                      <p:childTnLst>
-                        <p:par>
-                          <p:cTn id="25" fill="hold">
-                            <p:stCondLst>
-                              <p:cond delay="0"/>
-                            </p:stCondLst>
-                            <p:childTnLst>
-                              <p:par>
-                                <p:cTn id="26" presetID="42" presetClass="entr" presetSubtype="0" fill="hold" grpId="0" nodeType="clickEffect">
-                                  <p:stCondLst>
-                                    <p:cond delay="0"/>
-                                  </p:stCondLst>
-                                  <p:childTnLst>
-                                    <p:set>
-                                      <p:cBhvr>
-                                        <p:cTn id="27" dur="1" fill="hold">
-                                          <p:stCondLst>
-                                            <p:cond delay="0"/>
-                                          </p:stCondLst>
-                                        </p:cTn>
-                                        <p:tgtEl>
-                                          <p:spTgt spid="10">
-                                            <p:txEl>
-                                              <p:pRg st="0" end="0"/>
-                                            </p:txEl>
-                                          </p:spTgt>
-                                        </p:tgtEl>
-                                        <p:attrNameLst>
-                                          <p:attrName>style.visibility</p:attrName>
-                                        </p:attrNameLst>
-                                      </p:cBhvr>
-                                      <p:to>
-                                        <p:strVal val="visible"/>
-                                      </p:to>
-                                    </p:set>
-                                    <p:animEffect transition="in" filter="fade">
-                                      <p:cBhvr>
-                                        <p:cTn id="28" dur="1000"/>
-                                        <p:tgtEl>
-                                          <p:spTgt spid="10">
-                                            <p:txEl>
-                                              <p:pRg st="0" end="0"/>
-                                            </p:txEl>
-                                          </p:spTgt>
-                                        </p:tgtEl>
-                                      </p:cBhvr>
-                                    </p:animEffect>
-                                    <p:anim calcmode="lin" valueType="num">
-                                      <p:cBhvr>
-                                        <p:cTn id="29" dur="1000" fill="hold"/>
-                                        <p:tgtEl>
-                                          <p:spTgt spid="10">
-                                            <p:txEl>
-                                              <p:pRg st="0" end="0"/>
-                                            </p:txEl>
-                                          </p:spTgt>
-                                        </p:tgtEl>
-                                        <p:attrNameLst>
-                                          <p:attrName>ppt_x</p:attrName>
-                                        </p:attrNameLst>
-                                      </p:cBhvr>
-                                      <p:tavLst>
-                                        <p:tav tm="0">
-                                          <p:val>
-                                            <p:strVal val="#ppt_x"/>
-                                          </p:val>
-                                        </p:tav>
-                                        <p:tav tm="100000">
-                                          <p:val>
-                                            <p:strVal val="#ppt_x"/>
-                                          </p:val>
-                                        </p:tav>
-                                      </p:tavLst>
-                                    </p:anim>
-                                    <p:anim calcmode="lin" valueType="num">
-                                      <p:cBhvr>
-                                        <p:cTn id="30" dur="1000" fill="hold"/>
-                                        <p:tgtEl>
-                                          <p:spTgt spid="10">
-                                            <p:txEl>
-                                              <p:pRg st="0" end="0"/>
-                                            </p:txEl>
-                                          </p:spTgt>
-                                        </p:tgtEl>
-                                        <p:attrNameLst>
-                                          <p:attrName>ppt_y</p:attrName>
-                                        </p:attrNameLst>
-                                      </p:cBhvr>
-                                      <p:tavLst>
-                                        <p:tav tm="0">
-                                          <p:val>
-                                            <p:strVal val="#ppt_y+.1"/>
-                                          </p:val>
-                                        </p:tav>
-                                        <p:tav tm="100000">
-                                          <p:val>
-                                            <p:strVal val="#ppt_y"/>
-                                          </p:val>
-                                        </p:tav>
-                                      </p:tavLst>
-                                    </p:anim>
-                                  </p:childTnLst>
-                                </p:cTn>
-                              </p:par>
-                            </p:childTnLst>
-                          </p:cTn>
-                        </p:par>
-                      </p:childTnLst>
-                    </p:cTn>
-                  </p:par>
                 </p:childTnLst>
               </p:cTn>
               <p:prevCondLst>
@@ -20608,13 +22093,12 @@
       <p:bldP spid="4" grpId="0"/>
       <p:bldP spid="7" grpId="0"/>
       <p:bldP spid="8" grpId="0"/>
-      <p:bldP spid="10" grpId="0" build="p"/>
     </p:bldLst>
   </p:timing>
 </p:sld>
 </file>
 
-<file path=ppt/slides/slide8.xml><?xml version="1.0" encoding="utf-8"?>
+<file path=ppt/slides/slide9.xml><?xml version="1.0" encoding="utf-8"?>
 <p:sld xmlns:a="http://schemas.openxmlformats.org/drawingml/2006/main" xmlns:r="http://schemas.openxmlformats.org/officeDocument/2006/relationships" xmlns:p="http://schemas.openxmlformats.org/presentationml/2006/main">
   <p:cSld>
     <p:spTree>
@@ -20704,262 +22188,6 @@
       </p:sp>
       <p:sp>
         <p:nvSpPr>
-          <p:cNvPr id="7" name="Text Placeholder 30">
-            <a:extLst>
-              <a:ext uri="{FF2B5EF4-FFF2-40B4-BE49-F238E27FC236}">
-                <a16:creationId xmlns:a16="http://schemas.microsoft.com/office/drawing/2014/main" id="{BBD379B3-43F5-BB42-D7EF-5C1FA28E50DF}"/>
-              </a:ext>
-            </a:extLst>
-          </p:cNvPr>
-          <p:cNvSpPr txBox="1">
-            <a:spLocks/>
-          </p:cNvSpPr>
-          <p:nvPr/>
-        </p:nvSpPr>
-        <p:spPr>
-          <a:xfrm>
-            <a:off x="320982" y="1275371"/>
-            <a:ext cx="3343561" cy="666078"/>
-          </a:xfrm>
-          <a:prstGeom prst="rect">
-            <a:avLst/>
-          </a:prstGeom>
-        </p:spPr>
-        <p:txBody>
-          <a:bodyPr vert="horz" lIns="91440" tIns="45720" rIns="91440" bIns="45720" rtlCol="0">
-            <a:normAutofit/>
-          </a:bodyPr>
-          <a:lstStyle>
-            <a:lvl1pPr marL="0" indent="0" algn="ctr" defTabSz="457200" rtl="0" eaLnBrk="1" latinLnBrk="0" hangingPunct="1">
-              <a:spcBef>
-                <a:spcPts val="1000"/>
-              </a:spcBef>
-              <a:spcAft>
-                <a:spcPts val="0"/>
-              </a:spcAft>
-              <a:buClr>
-                <a:schemeClr val="accent1"/>
-              </a:buClr>
-              <a:buSzPct val="80000"/>
-              <a:buFont typeface="Wingdings 3" charset="2"/>
-              <a:buNone/>
-              <a:defRPr lang="en-US" sz="1600" kern="1200" dirty="0" smtClean="0">
-                <a:solidFill>
-                  <a:schemeClr val="tx1"/>
-                </a:solidFill>
-                <a:latin typeface="+mn-lt"/>
-                <a:ea typeface="+mn-ea"/>
-                <a:cs typeface="+mn-cs"/>
-              </a:defRPr>
-            </a:lvl1pPr>
-            <a:lvl2pPr marL="742950" indent="-285750" algn="l" defTabSz="457200" rtl="0" eaLnBrk="1" latinLnBrk="0" hangingPunct="1">
-              <a:spcBef>
-                <a:spcPts val="1000"/>
-              </a:spcBef>
-              <a:spcAft>
-                <a:spcPts val="0"/>
-              </a:spcAft>
-              <a:buClr>
-                <a:schemeClr val="accent1"/>
-              </a:buClr>
-              <a:buSzPct val="80000"/>
-              <a:buFont typeface="Wingdings 3" charset="2"/>
-              <a:buChar char=""/>
-              <a:defRPr sz="1600" kern="1200">
-                <a:solidFill>
-                  <a:schemeClr val="tx1">
-                    <a:lumMod val="75000"/>
-                    <a:lumOff val="25000"/>
-                  </a:schemeClr>
-                </a:solidFill>
-                <a:latin typeface="+mn-lt"/>
-                <a:ea typeface="+mn-ea"/>
-                <a:cs typeface="+mn-cs"/>
-              </a:defRPr>
-            </a:lvl2pPr>
-            <a:lvl3pPr marL="1143000" indent="-228600" algn="l" defTabSz="457200" rtl="0" eaLnBrk="1" latinLnBrk="0" hangingPunct="1">
-              <a:spcBef>
-                <a:spcPts val="1000"/>
-              </a:spcBef>
-              <a:spcAft>
-                <a:spcPts val="0"/>
-              </a:spcAft>
-              <a:buClr>
-                <a:schemeClr val="accent1"/>
-              </a:buClr>
-              <a:buSzPct val="80000"/>
-              <a:buFont typeface="Wingdings 3" charset="2"/>
-              <a:buChar char=""/>
-              <a:defRPr sz="1400" kern="1200">
-                <a:solidFill>
-                  <a:schemeClr val="tx1">
-                    <a:lumMod val="75000"/>
-                    <a:lumOff val="25000"/>
-                  </a:schemeClr>
-                </a:solidFill>
-                <a:latin typeface="+mn-lt"/>
-                <a:ea typeface="+mn-ea"/>
-                <a:cs typeface="+mn-cs"/>
-              </a:defRPr>
-            </a:lvl3pPr>
-            <a:lvl4pPr marL="1600200" indent="-228600" algn="l" defTabSz="457200" rtl="0" eaLnBrk="1" latinLnBrk="0" hangingPunct="1">
-              <a:spcBef>
-                <a:spcPts val="1000"/>
-              </a:spcBef>
-              <a:spcAft>
-                <a:spcPts val="0"/>
-              </a:spcAft>
-              <a:buClr>
-                <a:schemeClr val="accent1"/>
-              </a:buClr>
-              <a:buSzPct val="80000"/>
-              <a:buFont typeface="Wingdings 3" charset="2"/>
-              <a:buChar char=""/>
-              <a:defRPr sz="1200" kern="1200">
-                <a:solidFill>
-                  <a:schemeClr val="tx1">
-                    <a:lumMod val="75000"/>
-                    <a:lumOff val="25000"/>
-                  </a:schemeClr>
-                </a:solidFill>
-                <a:latin typeface="+mn-lt"/>
-                <a:ea typeface="+mn-ea"/>
-                <a:cs typeface="+mn-cs"/>
-              </a:defRPr>
-            </a:lvl4pPr>
-            <a:lvl5pPr marL="2057400" indent="-228600" algn="l" defTabSz="457200" rtl="0" eaLnBrk="1" latinLnBrk="0" hangingPunct="1">
-              <a:spcBef>
-                <a:spcPts val="1000"/>
-              </a:spcBef>
-              <a:spcAft>
-                <a:spcPts val="0"/>
-              </a:spcAft>
-              <a:buClr>
-                <a:schemeClr val="accent1"/>
-              </a:buClr>
-              <a:buSzPct val="80000"/>
-              <a:buFont typeface="Wingdings 3" charset="2"/>
-              <a:buChar char=""/>
-              <a:defRPr sz="1200" kern="1200">
-                <a:solidFill>
-                  <a:schemeClr val="tx1">
-                    <a:lumMod val="75000"/>
-                    <a:lumOff val="25000"/>
-                  </a:schemeClr>
-                </a:solidFill>
-                <a:latin typeface="+mn-lt"/>
-                <a:ea typeface="+mn-ea"/>
-                <a:cs typeface="+mn-cs"/>
-              </a:defRPr>
-            </a:lvl5pPr>
-            <a:lvl6pPr marL="2514600" indent="-228600" algn="l" defTabSz="457200" rtl="0" eaLnBrk="1" latinLnBrk="0" hangingPunct="1">
-              <a:spcBef>
-                <a:spcPts val="1000"/>
-              </a:spcBef>
-              <a:spcAft>
-                <a:spcPts val="0"/>
-              </a:spcAft>
-              <a:buClr>
-                <a:schemeClr val="accent1"/>
-              </a:buClr>
-              <a:buSzPct val="80000"/>
-              <a:buFont typeface="Wingdings 3" charset="2"/>
-              <a:buChar char=""/>
-              <a:defRPr sz="1200" kern="1200">
-                <a:solidFill>
-                  <a:schemeClr val="tx1">
-                    <a:lumMod val="75000"/>
-                    <a:lumOff val="25000"/>
-                  </a:schemeClr>
-                </a:solidFill>
-                <a:latin typeface="+mn-lt"/>
-                <a:ea typeface="+mn-ea"/>
-                <a:cs typeface="+mn-cs"/>
-              </a:defRPr>
-            </a:lvl6pPr>
-            <a:lvl7pPr marL="2971800" indent="-228600" algn="l" defTabSz="457200" rtl="0" eaLnBrk="1" latinLnBrk="0" hangingPunct="1">
-              <a:spcBef>
-                <a:spcPts val="1000"/>
-              </a:spcBef>
-              <a:spcAft>
-                <a:spcPts val="0"/>
-              </a:spcAft>
-              <a:buClr>
-                <a:schemeClr val="accent1"/>
-              </a:buClr>
-              <a:buSzPct val="80000"/>
-              <a:buFont typeface="Wingdings 3" charset="2"/>
-              <a:buChar char=""/>
-              <a:defRPr sz="1200" kern="1200">
-                <a:solidFill>
-                  <a:schemeClr val="tx1">
-                    <a:lumMod val="75000"/>
-                    <a:lumOff val="25000"/>
-                  </a:schemeClr>
-                </a:solidFill>
-                <a:latin typeface="+mn-lt"/>
-                <a:ea typeface="+mn-ea"/>
-                <a:cs typeface="+mn-cs"/>
-              </a:defRPr>
-            </a:lvl7pPr>
-            <a:lvl8pPr marL="3429000" indent="-228600" algn="l" defTabSz="457200" rtl="0" eaLnBrk="1" latinLnBrk="0" hangingPunct="1">
-              <a:spcBef>
-                <a:spcPts val="1000"/>
-              </a:spcBef>
-              <a:spcAft>
-                <a:spcPts val="0"/>
-              </a:spcAft>
-              <a:buClr>
-                <a:schemeClr val="accent1"/>
-              </a:buClr>
-              <a:buSzPct val="80000"/>
-              <a:buFont typeface="Wingdings 3" charset="2"/>
-              <a:buChar char=""/>
-              <a:defRPr sz="1200" kern="1200">
-                <a:solidFill>
-                  <a:schemeClr val="tx1">
-                    <a:lumMod val="75000"/>
-                    <a:lumOff val="25000"/>
-                  </a:schemeClr>
-                </a:solidFill>
-                <a:latin typeface="+mn-lt"/>
-                <a:ea typeface="+mn-ea"/>
-                <a:cs typeface="+mn-cs"/>
-              </a:defRPr>
-            </a:lvl8pPr>
-            <a:lvl9pPr marL="3886200" indent="-228600" algn="l" defTabSz="457200" rtl="0" eaLnBrk="1" latinLnBrk="0" hangingPunct="1">
-              <a:spcBef>
-                <a:spcPts val="1000"/>
-              </a:spcBef>
-              <a:spcAft>
-                <a:spcPts val="0"/>
-              </a:spcAft>
-              <a:buClr>
-                <a:schemeClr val="accent1"/>
-              </a:buClr>
-              <a:buSzPct val="80000"/>
-              <a:buFont typeface="Wingdings 3" charset="2"/>
-              <a:buChar char=""/>
-              <a:defRPr sz="1200" kern="1200">
-                <a:solidFill>
-                  <a:schemeClr val="tx1">
-                    <a:lumMod val="75000"/>
-                    <a:lumOff val="25000"/>
-                  </a:schemeClr>
-                </a:solidFill>
-                <a:latin typeface="+mn-lt"/>
-                <a:ea typeface="+mn-ea"/>
-                <a:cs typeface="+mn-cs"/>
-              </a:defRPr>
-            </a:lvl9pPr>
-          </a:lstStyle>
-          <a:p>
-            <a:endParaRPr lang="en-GB" sz="2000" dirty="0"/>
-          </a:p>
-        </p:txBody>
-      </p:sp>
-      <p:sp>
-        <p:nvSpPr>
           <p:cNvPr id="8" name="Text Placeholder 30">
             <a:extLst>
               <a:ext uri="{FF2B5EF4-FFF2-40B4-BE49-F238E27FC236}">
@@ -21214,45 +22442,53 @@
           </a:p>
         </p:txBody>
       </p:sp>
-      <p:sp>
-        <p:nvSpPr>
-          <p:cNvPr id="10" name="Text Placeholder 1">
+      <p:pic>
+        <p:nvPicPr>
+          <p:cNvPr id="5122" name="Picture 2">
             <a:extLst>
               <a:ext uri="{FF2B5EF4-FFF2-40B4-BE49-F238E27FC236}">
-                <a16:creationId xmlns:a16="http://schemas.microsoft.com/office/drawing/2014/main" id="{F6B14C4F-1746-A8AB-D262-5A993160F568}"/>
+                <a16:creationId xmlns:a16="http://schemas.microsoft.com/office/drawing/2014/main" id="{734BB3D6-C45E-C091-35E4-0F55999D4F9F}"/>
               </a:ext>
             </a:extLst>
           </p:cNvPr>
-          <p:cNvSpPr>
-            <a:spLocks noGrp="1"/>
-          </p:cNvSpPr>
-          <p:nvPr>
-            <p:ph type="body" sz="quarter" idx="12"/>
-          </p:nvPr>
-        </p:nvSpPr>
-        <p:spPr>
+          <p:cNvPicPr>
+            <a:picLocks noChangeAspect="1" noChangeArrowheads="1"/>
+          </p:cNvPicPr>
+          <p:nvPr/>
+        </p:nvPicPr>
+        <p:blipFill>
+          <a:blip r:embed="rId3">
+            <a:extLst>
+              <a:ext uri="{28A0092B-C50C-407E-A947-70E740481C1C}">
+                <a14:useLocalDpi xmlns:a14="http://schemas.microsoft.com/office/drawing/2010/main" val="0"/>
+              </a:ext>
+            </a:extLst>
+          </a:blip>
+          <a:srcRect/>
+          <a:stretch>
+            <a:fillRect/>
+          </a:stretch>
+        </p:blipFill>
+        <p:spPr bwMode="auto">
           <a:xfrm>
-            <a:off x="807164" y="1431693"/>
-            <a:ext cx="4275138" cy="477520"/>
+            <a:off x="336431" y="1442191"/>
+            <a:ext cx="8999964" cy="4140438"/>
           </a:xfrm>
+          <a:prstGeom prst="rect">
+            <a:avLst/>
+          </a:prstGeom>
+          <a:noFill/>
+          <a:extLst>
+            <a:ext uri="{909E8E84-426E-40DD-AFC4-6F175D3DCCD1}">
+              <a14:hiddenFill xmlns:a14="http://schemas.microsoft.com/office/drawing/2010/main">
+                <a:solidFill>
+                  <a:srgbClr val="FFFFFF"/>
+                </a:solidFill>
+              </a14:hiddenFill>
+            </a:ext>
+          </a:extLst>
         </p:spPr>
-        <p:txBody>
-          <a:bodyPr>
-            <a:normAutofit fontScale="77500" lnSpcReduction="20000"/>
-          </a:bodyPr>
-          <a:lstStyle/>
-          <a:p>
-            <a:pPr marL="0" indent="0">
-              <a:buNone/>
-            </a:pPr>
-            <a:r>
-              <a:rPr lang="en-US" dirty="0"/>
-              <a:t>[Add screen shots of your code or Chart(s) ]</a:t>
-            </a:r>
-            <a:endParaRPr lang="en-IN" dirty="0"/>
-          </a:p>
-        </p:txBody>
-      </p:sp>
+      </p:pic>
     </p:spTree>
     <p:extLst>
       <p:ext uri="{BB962C8B-B14F-4D97-AF65-F5344CB8AC3E}">
@@ -21401,7 +22637,7 @@
                                           </p:stCondLst>
                                         </p:cTn>
                                         <p:tgtEl>
-                                          <p:spTgt spid="7"/>
+                                          <p:spTgt spid="8"/>
                                         </p:tgtEl>
                                         <p:attrNameLst>
                                           <p:attrName>style.visibility</p:attrName>
@@ -21415,7 +22651,7 @@
                                       <p:cBhvr>
                                         <p:cTn id="14" dur="1000"/>
                                         <p:tgtEl>
-                                          <p:spTgt spid="7"/>
+                                          <p:spTgt spid="8"/>
                                         </p:tgtEl>
                                       </p:cBhvr>
                                     </p:animEffect>
@@ -21423,7 +22659,7 @@
                                       <p:cBhvr>
                                         <p:cTn id="15" dur="1000" fill="hold"/>
                                         <p:tgtEl>
-                                          <p:spTgt spid="7"/>
+                                          <p:spTgt spid="8"/>
                                         </p:tgtEl>
                                         <p:attrNameLst>
                                           <p:attrName>ppt_x</p:attrName>
@@ -21446,226 +22682,7 @@
                                       <p:cBhvr>
                                         <p:cTn id="16" dur="1000" fill="hold"/>
                                         <p:tgtEl>
-                                          <p:spTgt spid="7"/>
-                                        </p:tgtEl>
-                                        <p:attrNameLst>
-                                          <p:attrName>ppt_y</p:attrName>
-                                        </p:attrNameLst>
-                                      </p:cBhvr>
-                                      <p:tavLst>
-                                        <p:tav tm="0">
-                                          <p:val>
-                                            <p:strVal val="#ppt_y+.1"/>
-                                          </p:val>
-                                        </p:tav>
-                                        <p:tav tm="100000">
-                                          <p:val>
-                                            <p:strVal val="#ppt_y"/>
-                                          </p:val>
-                                        </p:tav>
-                                      </p:tavLst>
-                                    </p:anim>
-                                  </p:childTnLst>
-                                </p:cTn>
-                              </p:par>
-                            </p:childTnLst>
-                          </p:cTn>
-                        </p:par>
-                      </p:childTnLst>
-                    </p:cTn>
-                  </p:par>
-                  <p:par>
-                    <p:cTn id="17" fill="hold">
-                      <p:stCondLst>
-                        <p:cond delay="indefinite"/>
-                      </p:stCondLst>
-                      <p:childTnLst>
-                        <p:par>
-                          <p:cTn id="18" fill="hold">
-                            <p:stCondLst>
-                              <p:cond delay="0"/>
-                            </p:stCondLst>
-                            <p:childTnLst>
-                              <p:par>
-                                <p:cTn id="19" presetID="42" presetClass="entr" presetSubtype="0" fill="hold" grpId="0" nodeType="clickEffect" nodePh="1">
-                                  <p:stCondLst>
-                                    <p:cond delay="0"/>
-                                  </p:stCondLst>
-                                  <p:endCondLst>
-                                    <p:cond evt="begin" delay="0">
-                                      <p:tn val="19"/>
-                                    </p:cond>
-                                  </p:endCondLst>
-                                  <p:childTnLst>
-                                    <p:set>
-                                      <p:cBhvr>
-                                        <p:cTn id="20" dur="1" fill="hold">
-                                          <p:stCondLst>
-                                            <p:cond delay="0"/>
-                                          </p:stCondLst>
-                                        </p:cTn>
-                                        <p:tgtEl>
                                           <p:spTgt spid="8"/>
-                                        </p:tgtEl>
-                                        <p:attrNameLst>
-                                          <p:attrName>style.visibility</p:attrName>
-                                        </p:attrNameLst>
-                                      </p:cBhvr>
-                                      <p:to>
-                                        <p:strVal val="visible"/>
-                                      </p:to>
-                                    </p:set>
-                                    <p:animEffect transition="in" filter="fade">
-                                      <p:cBhvr>
-                                        <p:cTn id="21" dur="1000"/>
-                                        <p:tgtEl>
-                                          <p:spTgt spid="8"/>
-                                        </p:tgtEl>
-                                      </p:cBhvr>
-                                    </p:animEffect>
-                                    <p:anim calcmode="lin" valueType="num">
-                                      <p:cBhvr>
-                                        <p:cTn id="22" dur="1000" fill="hold"/>
-                                        <p:tgtEl>
-                                          <p:spTgt spid="8"/>
-                                        </p:tgtEl>
-                                        <p:attrNameLst>
-                                          <p:attrName>ppt_x</p:attrName>
-                                        </p:attrNameLst>
-                                      </p:cBhvr>
-                                      <p:tavLst>
-                                        <p:tav tm="0">
-                                          <p:val>
-                                            <p:strVal val="#ppt_x"/>
-                                          </p:val>
-                                        </p:tav>
-                                        <p:tav tm="100000">
-                                          <p:val>
-                                            <p:strVal val="#ppt_x"/>
-                                          </p:val>
-                                        </p:tav>
-                                      </p:tavLst>
-                                    </p:anim>
-                                    <p:anim calcmode="lin" valueType="num">
-                                      <p:cBhvr>
-                                        <p:cTn id="23" dur="1000" fill="hold"/>
-                                        <p:tgtEl>
-                                          <p:spTgt spid="8"/>
-                                        </p:tgtEl>
-                                        <p:attrNameLst>
-                                          <p:attrName>ppt_y</p:attrName>
-                                        </p:attrNameLst>
-                                      </p:cBhvr>
-                                      <p:tavLst>
-                                        <p:tav tm="0">
-                                          <p:val>
-                                            <p:strVal val="#ppt_y+.1"/>
-                                          </p:val>
-                                        </p:tav>
-                                        <p:tav tm="100000">
-                                          <p:val>
-                                            <p:strVal val="#ppt_y"/>
-                                          </p:val>
-                                        </p:tav>
-                                      </p:tavLst>
-                                    </p:anim>
-                                  </p:childTnLst>
-                                </p:cTn>
-                              </p:par>
-                            </p:childTnLst>
-                          </p:cTn>
-                        </p:par>
-                      </p:childTnLst>
-                    </p:cTn>
-                  </p:par>
-                  <p:par>
-                    <p:cTn id="24" fill="hold">
-                      <p:stCondLst>
-                        <p:cond delay="indefinite"/>
-                      </p:stCondLst>
-                      <p:childTnLst>
-                        <p:par>
-                          <p:cTn id="25" fill="hold">
-                            <p:stCondLst>
-                              <p:cond delay="0"/>
-                            </p:stCondLst>
-                            <p:childTnLst>
-                              <p:par>
-                                <p:cTn id="26" presetID="42" presetClass="entr" presetSubtype="0" fill="hold" grpId="0" nodeType="clickEffect">
-                                  <p:stCondLst>
-                                    <p:cond delay="0"/>
-                                  </p:stCondLst>
-                                  <p:childTnLst>
-                                    <p:set>
-                                      <p:cBhvr>
-                                        <p:cTn id="27" dur="1" fill="hold">
-                                          <p:stCondLst>
-                                            <p:cond delay="0"/>
-                                          </p:stCondLst>
-                                        </p:cTn>
-                                        <p:tgtEl>
-                                          <p:spTgt spid="10">
-                                            <p:txEl>
-                                              <p:pRg st="0" end="0"/>
-                                            </p:txEl>
-                                          </p:spTgt>
-                                        </p:tgtEl>
-                                        <p:attrNameLst>
-                                          <p:attrName>style.visibility</p:attrName>
-                                        </p:attrNameLst>
-                                      </p:cBhvr>
-                                      <p:to>
-                                        <p:strVal val="visible"/>
-                                      </p:to>
-                                    </p:set>
-                                    <p:animEffect transition="in" filter="fade">
-                                      <p:cBhvr>
-                                        <p:cTn id="28" dur="1000"/>
-                                        <p:tgtEl>
-                                          <p:spTgt spid="10">
-                                            <p:txEl>
-                                              <p:pRg st="0" end="0"/>
-                                            </p:txEl>
-                                          </p:spTgt>
-                                        </p:tgtEl>
-                                      </p:cBhvr>
-                                    </p:animEffect>
-                                    <p:anim calcmode="lin" valueType="num">
-                                      <p:cBhvr>
-                                        <p:cTn id="29" dur="1000" fill="hold"/>
-                                        <p:tgtEl>
-                                          <p:spTgt spid="10">
-                                            <p:txEl>
-                                              <p:pRg st="0" end="0"/>
-                                            </p:txEl>
-                                          </p:spTgt>
-                                        </p:tgtEl>
-                                        <p:attrNameLst>
-                                          <p:attrName>ppt_x</p:attrName>
-                                        </p:attrNameLst>
-                                      </p:cBhvr>
-                                      <p:tavLst>
-                                        <p:tav tm="0">
-                                          <p:val>
-                                            <p:strVal val="#ppt_x"/>
-                                          </p:val>
-                                        </p:tav>
-                                        <p:tav tm="100000">
-                                          <p:val>
-                                            <p:strVal val="#ppt_x"/>
-                                          </p:val>
-                                        </p:tav>
-                                      </p:tavLst>
-                                    </p:anim>
-                                    <p:anim calcmode="lin" valueType="num">
-                                      <p:cBhvr>
-                                        <p:cTn id="30" dur="1000" fill="hold"/>
-                                        <p:tgtEl>
-                                          <p:spTgt spid="10">
-                                            <p:txEl>
-                                              <p:pRg st="0" end="0"/>
-                                            </p:txEl>
-                                          </p:spTgt>
                                         </p:tgtEl>
                                         <p:attrNameLst>
                                           <p:attrName>ppt_y</p:attrName>
@@ -21716,910 +22733,7 @@
     </p:tnLst>
     <p:bldLst>
       <p:bldP spid="4" grpId="0"/>
-      <p:bldP spid="7" grpId="0"/>
       <p:bldP spid="8" grpId="0"/>
-      <p:bldP spid="10" grpId="0" build="p"/>
-    </p:bldLst>
-  </p:timing>
-</p:sld>
-</file>
-
-<file path=ppt/slides/slide9.xml><?xml version="1.0" encoding="utf-8"?>
-<p:sld xmlns:a="http://schemas.openxmlformats.org/drawingml/2006/main" xmlns:r="http://schemas.openxmlformats.org/officeDocument/2006/relationships" xmlns:p="http://schemas.openxmlformats.org/presentationml/2006/main">
-  <p:cSld>
-    <p:spTree>
-      <p:nvGrpSpPr>
-        <p:cNvPr id="1" name="">
-          <a:extLst>
-            <a:ext uri="{FF2B5EF4-FFF2-40B4-BE49-F238E27FC236}">
-              <a16:creationId xmlns:a16="http://schemas.microsoft.com/office/drawing/2014/main" id="{71D302F3-5B15-F4B3-4FC0-05D49317B44C}"/>
-            </a:ext>
-          </a:extLst>
-        </p:cNvPr>
-        <p:cNvGrpSpPr/>
-        <p:nvPr/>
-      </p:nvGrpSpPr>
-      <p:grpSpPr>
-        <a:xfrm>
-          <a:off x="0" y="0"/>
-          <a:ext cx="0" cy="0"/>
-          <a:chOff x="0" y="0"/>
-          <a:chExt cx="0" cy="0"/>
-        </a:xfrm>
-      </p:grpSpPr>
-      <p:pic>
-        <p:nvPicPr>
-          <p:cNvPr id="5" name="Picture 4">
-            <a:extLst>
-              <a:ext uri="{FF2B5EF4-FFF2-40B4-BE49-F238E27FC236}">
-                <a16:creationId xmlns:a16="http://schemas.microsoft.com/office/drawing/2014/main" id="{95314807-9A27-116F-CC98-E5EEF28F0800}"/>
-              </a:ext>
-            </a:extLst>
-          </p:cNvPr>
-          <p:cNvPicPr>
-            <a:picLocks noChangeAspect="1"/>
-          </p:cNvPicPr>
-          <p:nvPr/>
-        </p:nvPicPr>
-        <p:blipFill rotWithShape="1">
-          <a:blip r:embed="rId2"/>
-          <a:srcRect t="96181"/>
-          <a:stretch/>
-        </p:blipFill>
-        <p:spPr>
-          <a:xfrm>
-            <a:off x="675957" y="6471920"/>
-            <a:ext cx="2143125" cy="193040"/>
-          </a:xfrm>
-          <a:prstGeom prst="rect">
-            <a:avLst/>
-          </a:prstGeom>
-        </p:spPr>
-      </p:pic>
-      <p:sp>
-        <p:nvSpPr>
-          <p:cNvPr id="4" name="Title 3">
-            <a:extLst>
-              <a:ext uri="{FF2B5EF4-FFF2-40B4-BE49-F238E27FC236}">
-                <a16:creationId xmlns:a16="http://schemas.microsoft.com/office/drawing/2014/main" id="{BA0845DA-C188-DB03-7162-C74DB64A3678}"/>
-              </a:ext>
-            </a:extLst>
-          </p:cNvPr>
-          <p:cNvSpPr>
-            <a:spLocks noGrp="1"/>
-          </p:cNvSpPr>
-          <p:nvPr>
-            <p:ph type="title"/>
-          </p:nvPr>
-        </p:nvSpPr>
-        <p:spPr>
-          <a:xfrm>
-            <a:off x="675957" y="370589"/>
-            <a:ext cx="6115368" cy="878622"/>
-          </a:xfrm>
-        </p:spPr>
-        <p:txBody>
-          <a:bodyPr>
-            <a:normAutofit/>
-          </a:bodyPr>
-          <a:lstStyle/>
-          <a:p>
-            <a:r>
-              <a:rPr lang="en-GB" dirty="0"/>
-              <a:t>GitHub repository </a:t>
-            </a:r>
-          </a:p>
-        </p:txBody>
-      </p:sp>
-      <p:sp>
-        <p:nvSpPr>
-          <p:cNvPr id="7" name="Text Placeholder 30">
-            <a:extLst>
-              <a:ext uri="{FF2B5EF4-FFF2-40B4-BE49-F238E27FC236}">
-                <a16:creationId xmlns:a16="http://schemas.microsoft.com/office/drawing/2014/main" id="{9B11EDF8-3FD7-C9FE-2AA8-09208B3BEFC2}"/>
-              </a:ext>
-            </a:extLst>
-          </p:cNvPr>
-          <p:cNvSpPr txBox="1">
-            <a:spLocks/>
-          </p:cNvSpPr>
-          <p:nvPr/>
-        </p:nvSpPr>
-        <p:spPr>
-          <a:xfrm>
-            <a:off x="320982" y="1275371"/>
-            <a:ext cx="3343561" cy="666078"/>
-          </a:xfrm>
-          <a:prstGeom prst="rect">
-            <a:avLst/>
-          </a:prstGeom>
-        </p:spPr>
-        <p:txBody>
-          <a:bodyPr vert="horz" lIns="91440" tIns="45720" rIns="91440" bIns="45720" rtlCol="0">
-            <a:normAutofit/>
-          </a:bodyPr>
-          <a:lstStyle>
-            <a:lvl1pPr marL="0" indent="0" algn="ctr" defTabSz="457200" rtl="0" eaLnBrk="1" latinLnBrk="0" hangingPunct="1">
-              <a:spcBef>
-                <a:spcPts val="1000"/>
-              </a:spcBef>
-              <a:spcAft>
-                <a:spcPts val="0"/>
-              </a:spcAft>
-              <a:buClr>
-                <a:schemeClr val="accent1"/>
-              </a:buClr>
-              <a:buSzPct val="80000"/>
-              <a:buFont typeface="Wingdings 3" charset="2"/>
-              <a:buNone/>
-              <a:defRPr lang="en-US" sz="1600" kern="1200" dirty="0" smtClean="0">
-                <a:solidFill>
-                  <a:schemeClr val="tx1"/>
-                </a:solidFill>
-                <a:latin typeface="+mn-lt"/>
-                <a:ea typeface="+mn-ea"/>
-                <a:cs typeface="+mn-cs"/>
-              </a:defRPr>
-            </a:lvl1pPr>
-            <a:lvl2pPr marL="742950" indent="-285750" algn="l" defTabSz="457200" rtl="0" eaLnBrk="1" latinLnBrk="0" hangingPunct="1">
-              <a:spcBef>
-                <a:spcPts val="1000"/>
-              </a:spcBef>
-              <a:spcAft>
-                <a:spcPts val="0"/>
-              </a:spcAft>
-              <a:buClr>
-                <a:schemeClr val="accent1"/>
-              </a:buClr>
-              <a:buSzPct val="80000"/>
-              <a:buFont typeface="Wingdings 3" charset="2"/>
-              <a:buChar char=""/>
-              <a:defRPr sz="1600" kern="1200">
-                <a:solidFill>
-                  <a:schemeClr val="tx1">
-                    <a:lumMod val="75000"/>
-                    <a:lumOff val="25000"/>
-                  </a:schemeClr>
-                </a:solidFill>
-                <a:latin typeface="+mn-lt"/>
-                <a:ea typeface="+mn-ea"/>
-                <a:cs typeface="+mn-cs"/>
-              </a:defRPr>
-            </a:lvl2pPr>
-            <a:lvl3pPr marL="1143000" indent="-228600" algn="l" defTabSz="457200" rtl="0" eaLnBrk="1" latinLnBrk="0" hangingPunct="1">
-              <a:spcBef>
-                <a:spcPts val="1000"/>
-              </a:spcBef>
-              <a:spcAft>
-                <a:spcPts val="0"/>
-              </a:spcAft>
-              <a:buClr>
-                <a:schemeClr val="accent1"/>
-              </a:buClr>
-              <a:buSzPct val="80000"/>
-              <a:buFont typeface="Wingdings 3" charset="2"/>
-              <a:buChar char=""/>
-              <a:defRPr sz="1400" kern="1200">
-                <a:solidFill>
-                  <a:schemeClr val="tx1">
-                    <a:lumMod val="75000"/>
-                    <a:lumOff val="25000"/>
-                  </a:schemeClr>
-                </a:solidFill>
-                <a:latin typeface="+mn-lt"/>
-                <a:ea typeface="+mn-ea"/>
-                <a:cs typeface="+mn-cs"/>
-              </a:defRPr>
-            </a:lvl3pPr>
-            <a:lvl4pPr marL="1600200" indent="-228600" algn="l" defTabSz="457200" rtl="0" eaLnBrk="1" latinLnBrk="0" hangingPunct="1">
-              <a:spcBef>
-                <a:spcPts val="1000"/>
-              </a:spcBef>
-              <a:spcAft>
-                <a:spcPts val="0"/>
-              </a:spcAft>
-              <a:buClr>
-                <a:schemeClr val="accent1"/>
-              </a:buClr>
-              <a:buSzPct val="80000"/>
-              <a:buFont typeface="Wingdings 3" charset="2"/>
-              <a:buChar char=""/>
-              <a:defRPr sz="1200" kern="1200">
-                <a:solidFill>
-                  <a:schemeClr val="tx1">
-                    <a:lumMod val="75000"/>
-                    <a:lumOff val="25000"/>
-                  </a:schemeClr>
-                </a:solidFill>
-                <a:latin typeface="+mn-lt"/>
-                <a:ea typeface="+mn-ea"/>
-                <a:cs typeface="+mn-cs"/>
-              </a:defRPr>
-            </a:lvl4pPr>
-            <a:lvl5pPr marL="2057400" indent="-228600" algn="l" defTabSz="457200" rtl="0" eaLnBrk="1" latinLnBrk="0" hangingPunct="1">
-              <a:spcBef>
-                <a:spcPts val="1000"/>
-              </a:spcBef>
-              <a:spcAft>
-                <a:spcPts val="0"/>
-              </a:spcAft>
-              <a:buClr>
-                <a:schemeClr val="accent1"/>
-              </a:buClr>
-              <a:buSzPct val="80000"/>
-              <a:buFont typeface="Wingdings 3" charset="2"/>
-              <a:buChar char=""/>
-              <a:defRPr sz="1200" kern="1200">
-                <a:solidFill>
-                  <a:schemeClr val="tx1">
-                    <a:lumMod val="75000"/>
-                    <a:lumOff val="25000"/>
-                  </a:schemeClr>
-                </a:solidFill>
-                <a:latin typeface="+mn-lt"/>
-                <a:ea typeface="+mn-ea"/>
-                <a:cs typeface="+mn-cs"/>
-              </a:defRPr>
-            </a:lvl5pPr>
-            <a:lvl6pPr marL="2514600" indent="-228600" algn="l" defTabSz="457200" rtl="0" eaLnBrk="1" latinLnBrk="0" hangingPunct="1">
-              <a:spcBef>
-                <a:spcPts val="1000"/>
-              </a:spcBef>
-              <a:spcAft>
-                <a:spcPts val="0"/>
-              </a:spcAft>
-              <a:buClr>
-                <a:schemeClr val="accent1"/>
-              </a:buClr>
-              <a:buSzPct val="80000"/>
-              <a:buFont typeface="Wingdings 3" charset="2"/>
-              <a:buChar char=""/>
-              <a:defRPr sz="1200" kern="1200">
-                <a:solidFill>
-                  <a:schemeClr val="tx1">
-                    <a:lumMod val="75000"/>
-                    <a:lumOff val="25000"/>
-                  </a:schemeClr>
-                </a:solidFill>
-                <a:latin typeface="+mn-lt"/>
-                <a:ea typeface="+mn-ea"/>
-                <a:cs typeface="+mn-cs"/>
-              </a:defRPr>
-            </a:lvl6pPr>
-            <a:lvl7pPr marL="2971800" indent="-228600" algn="l" defTabSz="457200" rtl="0" eaLnBrk="1" latinLnBrk="0" hangingPunct="1">
-              <a:spcBef>
-                <a:spcPts val="1000"/>
-              </a:spcBef>
-              <a:spcAft>
-                <a:spcPts val="0"/>
-              </a:spcAft>
-              <a:buClr>
-                <a:schemeClr val="accent1"/>
-              </a:buClr>
-              <a:buSzPct val="80000"/>
-              <a:buFont typeface="Wingdings 3" charset="2"/>
-              <a:buChar char=""/>
-              <a:defRPr sz="1200" kern="1200">
-                <a:solidFill>
-                  <a:schemeClr val="tx1">
-                    <a:lumMod val="75000"/>
-                    <a:lumOff val="25000"/>
-                  </a:schemeClr>
-                </a:solidFill>
-                <a:latin typeface="+mn-lt"/>
-                <a:ea typeface="+mn-ea"/>
-                <a:cs typeface="+mn-cs"/>
-              </a:defRPr>
-            </a:lvl7pPr>
-            <a:lvl8pPr marL="3429000" indent="-228600" algn="l" defTabSz="457200" rtl="0" eaLnBrk="1" latinLnBrk="0" hangingPunct="1">
-              <a:spcBef>
-                <a:spcPts val="1000"/>
-              </a:spcBef>
-              <a:spcAft>
-                <a:spcPts val="0"/>
-              </a:spcAft>
-              <a:buClr>
-                <a:schemeClr val="accent1"/>
-              </a:buClr>
-              <a:buSzPct val="80000"/>
-              <a:buFont typeface="Wingdings 3" charset="2"/>
-              <a:buChar char=""/>
-              <a:defRPr sz="1200" kern="1200">
-                <a:solidFill>
-                  <a:schemeClr val="tx1">
-                    <a:lumMod val="75000"/>
-                    <a:lumOff val="25000"/>
-                  </a:schemeClr>
-                </a:solidFill>
-                <a:latin typeface="+mn-lt"/>
-                <a:ea typeface="+mn-ea"/>
-                <a:cs typeface="+mn-cs"/>
-              </a:defRPr>
-            </a:lvl8pPr>
-            <a:lvl9pPr marL="3886200" indent="-228600" algn="l" defTabSz="457200" rtl="0" eaLnBrk="1" latinLnBrk="0" hangingPunct="1">
-              <a:spcBef>
-                <a:spcPts val="1000"/>
-              </a:spcBef>
-              <a:spcAft>
-                <a:spcPts val="0"/>
-              </a:spcAft>
-              <a:buClr>
-                <a:schemeClr val="accent1"/>
-              </a:buClr>
-              <a:buSzPct val="80000"/>
-              <a:buFont typeface="Wingdings 3" charset="2"/>
-              <a:buChar char=""/>
-              <a:defRPr sz="1200" kern="1200">
-                <a:solidFill>
-                  <a:schemeClr val="tx1">
-                    <a:lumMod val="75000"/>
-                    <a:lumOff val="25000"/>
-                  </a:schemeClr>
-                </a:solidFill>
-                <a:latin typeface="+mn-lt"/>
-                <a:ea typeface="+mn-ea"/>
-                <a:cs typeface="+mn-cs"/>
-              </a:defRPr>
-            </a:lvl9pPr>
-          </a:lstStyle>
-          <a:p>
-            <a:endParaRPr lang="en-GB" sz="2000" dirty="0"/>
-          </a:p>
-        </p:txBody>
-      </p:sp>
-      <p:sp>
-        <p:nvSpPr>
-          <p:cNvPr id="10" name="Text Placeholder 1">
-            <a:extLst>
-              <a:ext uri="{FF2B5EF4-FFF2-40B4-BE49-F238E27FC236}">
-                <a16:creationId xmlns:a16="http://schemas.microsoft.com/office/drawing/2014/main" id="{8935B953-0B74-DF35-9464-45E8CB01D89D}"/>
-              </a:ext>
-            </a:extLst>
-          </p:cNvPr>
-          <p:cNvSpPr>
-            <a:spLocks noGrp="1"/>
-          </p:cNvSpPr>
-          <p:nvPr>
-            <p:ph type="body" sz="quarter" idx="12"/>
-          </p:nvPr>
-        </p:nvSpPr>
-        <p:spPr>
-          <a:xfrm>
-            <a:off x="807164" y="1406106"/>
-            <a:ext cx="5984161" cy="2579557"/>
-          </a:xfrm>
-        </p:spPr>
-        <p:txBody>
-          <a:bodyPr vert="horz" lIns="91440" tIns="45720" rIns="91440" bIns="45720" rtlCol="0" anchor="t">
-            <a:normAutofit/>
-          </a:bodyPr>
-          <a:lstStyle/>
-          <a:p>
-            <a:pPr marL="0" indent="0">
-              <a:buNone/>
-            </a:pPr>
-            <a:r>
-              <a:rPr lang="en-US" dirty="0"/>
-              <a:t>[Add the working </a:t>
-            </a:r>
-            <a:r>
-              <a:rPr lang="en-US" dirty="0" err="1"/>
-              <a:t>url</a:t>
-            </a:r>
-            <a:r>
-              <a:rPr lang="en-US" dirty="0"/>
-              <a:t> of your </a:t>
-            </a:r>
-            <a:r>
-              <a:rPr lang="en-US" dirty="0" err="1"/>
-              <a:t>github</a:t>
-            </a:r>
-            <a:r>
-              <a:rPr lang="en-US" dirty="0"/>
-              <a:t> repository ]  </a:t>
-            </a:r>
-          </a:p>
-          <a:p>
-            <a:pPr marL="0" indent="0">
-              <a:buNone/>
-            </a:pPr>
-            <a:endParaRPr lang="en-US" dirty="0"/>
-          </a:p>
-          <a:p>
-            <a:pPr marL="0" indent="0">
-              <a:buNone/>
-            </a:pPr>
-            <a:r>
-              <a:rPr lang="en-US" dirty="0"/>
-              <a:t>Create </a:t>
-            </a:r>
-            <a:r>
-              <a:rPr lang="en-US" dirty="0" err="1"/>
-              <a:t>github</a:t>
-            </a:r>
-            <a:r>
-              <a:rPr lang="en-US" dirty="0"/>
-              <a:t> repository with format VOIS_AICTE_Oct2025_MajorProject_YourName  </a:t>
-            </a:r>
-          </a:p>
-        </p:txBody>
-      </p:sp>
-    </p:spTree>
-    <p:extLst>
-      <p:ext uri="{BB962C8B-B14F-4D97-AF65-F5344CB8AC3E}">
-        <p14:creationId xmlns:p14="http://schemas.microsoft.com/office/powerpoint/2010/main" val="1596923865"/>
-      </p:ext>
-    </p:extLst>
-  </p:cSld>
-  <p:clrMapOvr>
-    <a:masterClrMapping/>
-  </p:clrMapOvr>
-  <p:timing>
-    <p:tnLst>
-      <p:par>
-        <p:cTn id="1" dur="indefinite" restart="never" nodeType="tmRoot">
-          <p:childTnLst>
-            <p:seq concurrent="1" nextAc="seek">
-              <p:cTn id="2" dur="indefinite" nodeType="mainSeq">
-                <p:childTnLst>
-                  <p:par>
-                    <p:cTn id="3" fill="hold">
-                      <p:stCondLst>
-                        <p:cond delay="indefinite"/>
-                      </p:stCondLst>
-                      <p:childTnLst>
-                        <p:par>
-                          <p:cTn id="4" fill="hold">
-                            <p:stCondLst>
-                              <p:cond delay="0"/>
-                            </p:stCondLst>
-                            <p:childTnLst>
-                              <p:par>
-                                <p:cTn id="5" presetID="53" presetClass="entr" presetSubtype="16" fill="hold" grpId="0" nodeType="clickEffect">
-                                  <p:stCondLst>
-                                    <p:cond delay="0"/>
-                                  </p:stCondLst>
-                                  <p:childTnLst>
-                                    <p:set>
-                                      <p:cBhvr>
-                                        <p:cTn id="6" dur="1" fill="hold">
-                                          <p:stCondLst>
-                                            <p:cond delay="0"/>
-                                          </p:stCondLst>
-                                        </p:cTn>
-                                        <p:tgtEl>
-                                          <p:spTgt spid="4"/>
-                                        </p:tgtEl>
-                                        <p:attrNameLst>
-                                          <p:attrName>style.visibility</p:attrName>
-                                        </p:attrNameLst>
-                                      </p:cBhvr>
-                                      <p:to>
-                                        <p:strVal val="visible"/>
-                                      </p:to>
-                                    </p:set>
-                                    <p:anim calcmode="lin" valueType="num">
-                                      <p:cBhvr>
-                                        <p:cTn id="7" dur="500" fill="hold"/>
-                                        <p:tgtEl>
-                                          <p:spTgt spid="4"/>
-                                        </p:tgtEl>
-                                        <p:attrNameLst>
-                                          <p:attrName>ppt_w</p:attrName>
-                                        </p:attrNameLst>
-                                      </p:cBhvr>
-                                      <p:tavLst>
-                                        <p:tav tm="0">
-                                          <p:val>
-                                            <p:fltVal val="0"/>
-                                          </p:val>
-                                        </p:tav>
-                                        <p:tav tm="100000">
-                                          <p:val>
-                                            <p:strVal val="#ppt_w"/>
-                                          </p:val>
-                                        </p:tav>
-                                      </p:tavLst>
-                                    </p:anim>
-                                    <p:anim calcmode="lin" valueType="num">
-                                      <p:cBhvr>
-                                        <p:cTn id="8" dur="500" fill="hold"/>
-                                        <p:tgtEl>
-                                          <p:spTgt spid="4"/>
-                                        </p:tgtEl>
-                                        <p:attrNameLst>
-                                          <p:attrName>ppt_h</p:attrName>
-                                        </p:attrNameLst>
-                                      </p:cBhvr>
-                                      <p:tavLst>
-                                        <p:tav tm="0">
-                                          <p:val>
-                                            <p:fltVal val="0"/>
-                                          </p:val>
-                                        </p:tav>
-                                        <p:tav tm="100000">
-                                          <p:val>
-                                            <p:strVal val="#ppt_h"/>
-                                          </p:val>
-                                        </p:tav>
-                                      </p:tavLst>
-                                    </p:anim>
-                                    <p:animEffect transition="in" filter="fade">
-                                      <p:cBhvr>
-                                        <p:cTn id="9" dur="500"/>
-                                        <p:tgtEl>
-                                          <p:spTgt spid="4"/>
-                                        </p:tgtEl>
-                                      </p:cBhvr>
-                                    </p:animEffect>
-                                  </p:childTnLst>
-                                </p:cTn>
-                              </p:par>
-                            </p:childTnLst>
-                          </p:cTn>
-                        </p:par>
-                      </p:childTnLst>
-                    </p:cTn>
-                  </p:par>
-                  <p:par>
-                    <p:cTn id="10" fill="hold">
-                      <p:stCondLst>
-                        <p:cond delay="indefinite"/>
-                      </p:stCondLst>
-                      <p:childTnLst>
-                        <p:par>
-                          <p:cTn id="11" fill="hold">
-                            <p:stCondLst>
-                              <p:cond delay="0"/>
-                            </p:stCondLst>
-                            <p:childTnLst>
-                              <p:par>
-                                <p:cTn id="12" presetID="42" presetClass="entr" presetSubtype="0" fill="hold" grpId="0" nodeType="clickEffect" nodePh="1">
-                                  <p:stCondLst>
-                                    <p:cond delay="0"/>
-                                  </p:stCondLst>
-                                  <p:endCondLst>
-                                    <p:cond evt="begin" delay="0">
-                                      <p:tn val="12"/>
-                                    </p:cond>
-                                  </p:endCondLst>
-                                  <p:childTnLst>
-                                    <p:set>
-                                      <p:cBhvr>
-                                        <p:cTn id="13" dur="1" fill="hold">
-                                          <p:stCondLst>
-                                            <p:cond delay="0"/>
-                                          </p:stCondLst>
-                                        </p:cTn>
-                                        <p:tgtEl>
-                                          <p:spTgt spid="7"/>
-                                        </p:tgtEl>
-                                        <p:attrNameLst>
-                                          <p:attrName>style.visibility</p:attrName>
-                                        </p:attrNameLst>
-                                      </p:cBhvr>
-                                      <p:to>
-                                        <p:strVal val="visible"/>
-                                      </p:to>
-                                    </p:set>
-                                    <p:animEffect transition="in" filter="fade">
-                                      <p:cBhvr>
-                                        <p:cTn id="14" dur="1000"/>
-                                        <p:tgtEl>
-                                          <p:spTgt spid="7"/>
-                                        </p:tgtEl>
-                                      </p:cBhvr>
-                                    </p:animEffect>
-                                    <p:anim calcmode="lin" valueType="num">
-                                      <p:cBhvr>
-                                        <p:cTn id="15" dur="1000" fill="hold"/>
-                                        <p:tgtEl>
-                                          <p:spTgt spid="7"/>
-                                        </p:tgtEl>
-                                        <p:attrNameLst>
-                                          <p:attrName>ppt_x</p:attrName>
-                                        </p:attrNameLst>
-                                      </p:cBhvr>
-                                      <p:tavLst>
-                                        <p:tav tm="0">
-                                          <p:val>
-                                            <p:strVal val="#ppt_x"/>
-                                          </p:val>
-                                        </p:tav>
-                                        <p:tav tm="100000">
-                                          <p:val>
-                                            <p:strVal val="#ppt_x"/>
-                                          </p:val>
-                                        </p:tav>
-                                      </p:tavLst>
-                                    </p:anim>
-                                    <p:anim calcmode="lin" valueType="num">
-                                      <p:cBhvr>
-                                        <p:cTn id="16" dur="1000" fill="hold"/>
-                                        <p:tgtEl>
-                                          <p:spTgt spid="7"/>
-                                        </p:tgtEl>
-                                        <p:attrNameLst>
-                                          <p:attrName>ppt_y</p:attrName>
-                                        </p:attrNameLst>
-                                      </p:cBhvr>
-                                      <p:tavLst>
-                                        <p:tav tm="0">
-                                          <p:val>
-                                            <p:strVal val="#ppt_y+.1"/>
-                                          </p:val>
-                                        </p:tav>
-                                        <p:tav tm="100000">
-                                          <p:val>
-                                            <p:strVal val="#ppt_y"/>
-                                          </p:val>
-                                        </p:tav>
-                                      </p:tavLst>
-                                    </p:anim>
-                                  </p:childTnLst>
-                                </p:cTn>
-                              </p:par>
-                            </p:childTnLst>
-                          </p:cTn>
-                        </p:par>
-                      </p:childTnLst>
-                    </p:cTn>
-                  </p:par>
-                  <p:par>
-                    <p:cTn id="17" fill="hold">
-                      <p:stCondLst>
-                        <p:cond delay="indefinite"/>
-                      </p:stCondLst>
-                      <p:childTnLst>
-                        <p:par>
-                          <p:cTn id="18" fill="hold">
-                            <p:stCondLst>
-                              <p:cond delay="0"/>
-                            </p:stCondLst>
-                            <p:childTnLst>
-                              <p:par>
-                                <p:cTn id="19" presetID="42" presetClass="entr" presetSubtype="0" fill="hold" grpId="0" nodeType="clickEffect">
-                                  <p:stCondLst>
-                                    <p:cond delay="0"/>
-                                  </p:stCondLst>
-                                  <p:childTnLst>
-                                    <p:set>
-                                      <p:cBhvr>
-                                        <p:cTn id="20" dur="1" fill="hold">
-                                          <p:stCondLst>
-                                            <p:cond delay="0"/>
-                                          </p:stCondLst>
-                                        </p:cTn>
-                                        <p:tgtEl>
-                                          <p:spTgt spid="10">
-                                            <p:txEl>
-                                              <p:pRg st="0" end="0"/>
-                                            </p:txEl>
-                                          </p:spTgt>
-                                        </p:tgtEl>
-                                        <p:attrNameLst>
-                                          <p:attrName>style.visibility</p:attrName>
-                                        </p:attrNameLst>
-                                      </p:cBhvr>
-                                      <p:to>
-                                        <p:strVal val="visible"/>
-                                      </p:to>
-                                    </p:set>
-                                    <p:animEffect transition="in" filter="fade">
-                                      <p:cBhvr>
-                                        <p:cTn id="21" dur="1000"/>
-                                        <p:tgtEl>
-                                          <p:spTgt spid="10">
-                                            <p:txEl>
-                                              <p:pRg st="0" end="0"/>
-                                            </p:txEl>
-                                          </p:spTgt>
-                                        </p:tgtEl>
-                                      </p:cBhvr>
-                                    </p:animEffect>
-                                    <p:anim calcmode="lin" valueType="num">
-                                      <p:cBhvr>
-                                        <p:cTn id="22" dur="1000" fill="hold"/>
-                                        <p:tgtEl>
-                                          <p:spTgt spid="10">
-                                            <p:txEl>
-                                              <p:pRg st="0" end="0"/>
-                                            </p:txEl>
-                                          </p:spTgt>
-                                        </p:tgtEl>
-                                        <p:attrNameLst>
-                                          <p:attrName>ppt_x</p:attrName>
-                                        </p:attrNameLst>
-                                      </p:cBhvr>
-                                      <p:tavLst>
-                                        <p:tav tm="0">
-                                          <p:val>
-                                            <p:strVal val="#ppt_x"/>
-                                          </p:val>
-                                        </p:tav>
-                                        <p:tav tm="100000">
-                                          <p:val>
-                                            <p:strVal val="#ppt_x"/>
-                                          </p:val>
-                                        </p:tav>
-                                      </p:tavLst>
-                                    </p:anim>
-                                    <p:anim calcmode="lin" valueType="num">
-                                      <p:cBhvr>
-                                        <p:cTn id="23" dur="1000" fill="hold"/>
-                                        <p:tgtEl>
-                                          <p:spTgt spid="10">
-                                            <p:txEl>
-                                              <p:pRg st="0" end="0"/>
-                                            </p:txEl>
-                                          </p:spTgt>
-                                        </p:tgtEl>
-                                        <p:attrNameLst>
-                                          <p:attrName>ppt_y</p:attrName>
-                                        </p:attrNameLst>
-                                      </p:cBhvr>
-                                      <p:tavLst>
-                                        <p:tav tm="0">
-                                          <p:val>
-                                            <p:strVal val="#ppt_y+.1"/>
-                                          </p:val>
-                                        </p:tav>
-                                        <p:tav tm="100000">
-                                          <p:val>
-                                            <p:strVal val="#ppt_y"/>
-                                          </p:val>
-                                        </p:tav>
-                                      </p:tavLst>
-                                    </p:anim>
-                                  </p:childTnLst>
-                                </p:cTn>
-                              </p:par>
-                            </p:childTnLst>
-                          </p:cTn>
-                        </p:par>
-                      </p:childTnLst>
-                    </p:cTn>
-                  </p:par>
-                  <p:par>
-                    <p:cTn id="24" fill="hold">
-                      <p:stCondLst>
-                        <p:cond delay="indefinite"/>
-                      </p:stCondLst>
-                      <p:childTnLst>
-                        <p:par>
-                          <p:cTn id="25" fill="hold">
-                            <p:stCondLst>
-                              <p:cond delay="0"/>
-                            </p:stCondLst>
-                            <p:childTnLst>
-                              <p:par>
-                                <p:cTn id="26" presetID="42" presetClass="entr" presetSubtype="0" fill="hold" grpId="0" nodeType="clickEffect">
-                                  <p:stCondLst>
-                                    <p:cond delay="0"/>
-                                  </p:stCondLst>
-                                  <p:childTnLst>
-                                    <p:set>
-                                      <p:cBhvr>
-                                        <p:cTn id="27" dur="1" fill="hold">
-                                          <p:stCondLst>
-                                            <p:cond delay="0"/>
-                                          </p:stCondLst>
-                                        </p:cTn>
-                                        <p:tgtEl>
-                                          <p:spTgt spid="10">
-                                            <p:txEl>
-                                              <p:pRg st="2" end="2"/>
-                                            </p:txEl>
-                                          </p:spTgt>
-                                        </p:tgtEl>
-                                        <p:attrNameLst>
-                                          <p:attrName>style.visibility</p:attrName>
-                                        </p:attrNameLst>
-                                      </p:cBhvr>
-                                      <p:to>
-                                        <p:strVal val="visible"/>
-                                      </p:to>
-                                    </p:set>
-                                    <p:animEffect transition="in" filter="fade">
-                                      <p:cBhvr>
-                                        <p:cTn id="28" dur="1000"/>
-                                        <p:tgtEl>
-                                          <p:spTgt spid="10">
-                                            <p:txEl>
-                                              <p:pRg st="2" end="2"/>
-                                            </p:txEl>
-                                          </p:spTgt>
-                                        </p:tgtEl>
-                                      </p:cBhvr>
-                                    </p:animEffect>
-                                    <p:anim calcmode="lin" valueType="num">
-                                      <p:cBhvr>
-                                        <p:cTn id="29" dur="1000" fill="hold"/>
-                                        <p:tgtEl>
-                                          <p:spTgt spid="10">
-                                            <p:txEl>
-                                              <p:pRg st="2" end="2"/>
-                                            </p:txEl>
-                                          </p:spTgt>
-                                        </p:tgtEl>
-                                        <p:attrNameLst>
-                                          <p:attrName>ppt_x</p:attrName>
-                                        </p:attrNameLst>
-                                      </p:cBhvr>
-                                      <p:tavLst>
-                                        <p:tav tm="0">
-                                          <p:val>
-                                            <p:strVal val="#ppt_x"/>
-                                          </p:val>
-                                        </p:tav>
-                                        <p:tav tm="100000">
-                                          <p:val>
-                                            <p:strVal val="#ppt_x"/>
-                                          </p:val>
-                                        </p:tav>
-                                      </p:tavLst>
-                                    </p:anim>
-                                    <p:anim calcmode="lin" valueType="num">
-                                      <p:cBhvr>
-                                        <p:cTn id="30" dur="1000" fill="hold"/>
-                                        <p:tgtEl>
-                                          <p:spTgt spid="10">
-                                            <p:txEl>
-                                              <p:pRg st="2" end="2"/>
-                                            </p:txEl>
-                                          </p:spTgt>
-                                        </p:tgtEl>
-                                        <p:attrNameLst>
-                                          <p:attrName>ppt_y</p:attrName>
-                                        </p:attrNameLst>
-                                      </p:cBhvr>
-                                      <p:tavLst>
-                                        <p:tav tm="0">
-                                          <p:val>
-                                            <p:strVal val="#ppt_y+.1"/>
-                                          </p:val>
-                                        </p:tav>
-                                        <p:tav tm="100000">
-                                          <p:val>
-                                            <p:strVal val="#ppt_y"/>
-                                          </p:val>
-                                        </p:tav>
-                                      </p:tavLst>
-                                    </p:anim>
-                                  </p:childTnLst>
-                                </p:cTn>
-                              </p:par>
-                            </p:childTnLst>
-                          </p:cTn>
-                        </p:par>
-                      </p:childTnLst>
-                    </p:cTn>
-                  </p:par>
-                </p:childTnLst>
-              </p:cTn>
-              <p:prevCondLst>
-                <p:cond evt="onPrev" delay="0">
-                  <p:tgtEl>
-                    <p:sldTgt/>
-                  </p:tgtEl>
-                </p:cond>
-              </p:prevCondLst>
-              <p:nextCondLst>
-                <p:cond evt="onNext" delay="0">
-                  <p:tgtEl>
-                    <p:sldTgt/>
-                  </p:tgtEl>
-                </p:cond>
-              </p:nextCondLst>
-            </p:seq>
-          </p:childTnLst>
-        </p:cTn>
-      </p:par>
-    </p:tnLst>
-    <p:bldLst>
-      <p:bldP spid="4" grpId="0"/>
-      <p:bldP spid="7" grpId="0"/>
-      <p:bldP spid="10" grpId="0" build="p"/>
     </p:bldLst>
   </p:timing>
 </p:sld>
